--- a/alban.pptx
+++ b/alban.pptx
@@ -12,13 +12,13 @@
     <p:sldId id="261" r:id="rId3"/>
     <p:sldId id="262" r:id="rId4"/>
     <p:sldId id="263" r:id="rId5"/>
-    <p:sldId id="264" r:id="rId6"/>
-    <p:sldId id="266" r:id="rId7"/>
-    <p:sldId id="267" r:id="rId8"/>
-    <p:sldId id="268" r:id="rId9"/>
-    <p:sldId id="269" r:id="rId10"/>
+    <p:sldId id="271" r:id="rId6"/>
+    <p:sldId id="274" r:id="rId7"/>
+    <p:sldId id="266" r:id="rId8"/>
+    <p:sldId id="267" r:id="rId9"/>
+    <p:sldId id="268" r:id="rId10"/>
     <p:sldId id="270" r:id="rId11"/>
-    <p:sldId id="258" r:id="rId12"/>
+    <p:sldId id="269" r:id="rId12"/>
     <p:sldId id="265" r:id="rId13"/>
   </p:sldIdLst>
   <p:sldSz cx="12192000" cy="6858000"/>
@@ -630,15 +630,11 @@
           <a:p>
             <a:r>
               <a:rPr lang="fr-FR" dirty="0" err="1" smtClean="0"/>
-              <a:t>Angular</a:t>
+              <a:t>Creation</a:t>
             </a:r>
             <a:r>
               <a:rPr lang="fr-FR" dirty="0" smtClean="0"/>
-              <a:t> :</a:t>
-            </a:r>
-            <a:r>
-              <a:rPr lang="fr-FR" baseline="0" dirty="0" smtClean="0"/>
-              <a:t> choix de fluidité, les pages ne sont pas rechargés, expérience d’utilisation amélioré</a:t>
+              <a:t>, pourquoi se projet, petite histoire</a:t>
             </a:r>
             <a:endParaRPr lang="fr-FR" dirty="0"/>
           </a:p>
@@ -671,6 +667,373 @@
     <p:extLst>
       <p:ext uri="{BB962C8B-B14F-4D97-AF65-F5344CB8AC3E}">
         <p14:creationId xmlns:p14="http://schemas.microsoft.com/office/powerpoint/2010/main" val="717396"/>
+      </p:ext>
+    </p:extLst>
+  </p:cSld>
+  <p:clrMapOvr>
+    <a:masterClrMapping/>
+  </p:clrMapOvr>
+</p:notes>
+</file>
+
+<file path=ppt/notesSlides/notesSlide3.xml><?xml version="1.0" encoding="utf-8"?>
+<p:notes xmlns:a="http://schemas.openxmlformats.org/drawingml/2006/main" xmlns:r="http://schemas.openxmlformats.org/officeDocument/2006/relationships" xmlns:p="http://schemas.openxmlformats.org/presentationml/2006/main">
+  <p:cSld>
+    <p:spTree>
+      <p:nvGrpSpPr>
+        <p:cNvPr id="1" name=""/>
+        <p:cNvGrpSpPr/>
+        <p:nvPr/>
+      </p:nvGrpSpPr>
+      <p:grpSpPr>
+        <a:xfrm>
+          <a:off x="0" y="0"/>
+          <a:ext cx="0" cy="0"/>
+          <a:chOff x="0" y="0"/>
+          <a:chExt cx="0" cy="0"/>
+        </a:xfrm>
+      </p:grpSpPr>
+      <p:sp>
+        <p:nvSpPr>
+          <p:cNvPr id="2" name="Espace réservé de l'image des diapositives 1"/>
+          <p:cNvSpPr>
+            <a:spLocks noGrp="1" noRot="1" noChangeAspect="1"/>
+          </p:cNvSpPr>
+          <p:nvPr>
+            <p:ph type="sldImg"/>
+          </p:nvPr>
+        </p:nvSpPr>
+        <p:spPr/>
+      </p:sp>
+      <p:sp>
+        <p:nvSpPr>
+          <p:cNvPr id="3" name="Espace réservé des commentaires 2"/>
+          <p:cNvSpPr>
+            <a:spLocks noGrp="1"/>
+          </p:cNvSpPr>
+          <p:nvPr>
+            <p:ph type="body" idx="1"/>
+          </p:nvPr>
+        </p:nvSpPr>
+        <p:spPr/>
+        <p:txBody>
+          <a:bodyPr/>
+          <a:lstStyle/>
+          <a:p>
+            <a:r>
+              <a:rPr lang="fr-FR" dirty="0" smtClean="0"/>
+              <a:t>Spécificités :</a:t>
+            </a:r>
+          </a:p>
+          <a:p>
+            <a:r>
+              <a:rPr lang="fr-FR" dirty="0" smtClean="0"/>
+              <a:t>-thème innovant</a:t>
+            </a:r>
+          </a:p>
+          <a:p>
+            <a:r>
+              <a:rPr lang="fr-FR" dirty="0" smtClean="0"/>
+              <a:t>-sécurité</a:t>
+            </a:r>
+          </a:p>
+          <a:p>
+            <a:r>
+              <a:rPr lang="fr-FR" dirty="0" smtClean="0"/>
+              <a:t>-utilisation</a:t>
+            </a:r>
+            <a:r>
+              <a:rPr lang="fr-FR" baseline="0" dirty="0" smtClean="0"/>
+              <a:t> de </a:t>
+            </a:r>
+            <a:r>
+              <a:rPr lang="fr-FR" baseline="0" dirty="0" err="1" smtClean="0"/>
+              <a:t>framework</a:t>
+            </a:r>
+            <a:r>
+              <a:rPr lang="fr-FR" baseline="0" dirty="0" smtClean="0"/>
+              <a:t>, </a:t>
+            </a:r>
+            <a:r>
+              <a:rPr lang="fr-FR" baseline="0" dirty="0" err="1" smtClean="0"/>
+              <a:t>bdd</a:t>
+            </a:r>
+            <a:endParaRPr lang="fr-FR" dirty="0" smtClean="0"/>
+          </a:p>
+          <a:p>
+            <a:endParaRPr lang="fr-FR" dirty="0" smtClean="0"/>
+          </a:p>
+          <a:p>
+            <a:r>
+              <a:rPr lang="fr-FR" dirty="0" smtClean="0"/>
+              <a:t>Product </a:t>
+            </a:r>
+            <a:r>
+              <a:rPr lang="fr-FR" dirty="0" err="1" smtClean="0"/>
+              <a:t>Backlog</a:t>
+            </a:r>
+            <a:r>
+              <a:rPr lang="fr-FR" baseline="0" dirty="0" smtClean="0"/>
+              <a:t> :</a:t>
+            </a:r>
+            <a:endParaRPr lang="fr-FR" dirty="0" smtClean="0"/>
+          </a:p>
+          <a:p>
+            <a:endParaRPr lang="fr-FR" dirty="0"/>
+          </a:p>
+        </p:txBody>
+      </p:sp>
+      <p:sp>
+        <p:nvSpPr>
+          <p:cNvPr id="4" name="Espace réservé du numéro de diapositive 3"/>
+          <p:cNvSpPr>
+            <a:spLocks noGrp="1"/>
+          </p:cNvSpPr>
+          <p:nvPr>
+            <p:ph type="sldNum" sz="quarter" idx="10"/>
+          </p:nvPr>
+        </p:nvSpPr>
+        <p:spPr/>
+        <p:txBody>
+          <a:bodyPr/>
+          <a:lstStyle/>
+          <a:p>
+            <a:fld id="{1DCD95D1-97C3-49B9-89D8-DAB6BB2B9464}" type="slidenum">
+              <a:rPr lang="fr-FR" smtClean="0"/>
+              <a:t>5</a:t>
+            </a:fld>
+            <a:endParaRPr lang="fr-FR"/>
+          </a:p>
+        </p:txBody>
+      </p:sp>
+    </p:spTree>
+    <p:extLst>
+      <p:ext uri="{BB962C8B-B14F-4D97-AF65-F5344CB8AC3E}">
+        <p14:creationId xmlns:p14="http://schemas.microsoft.com/office/powerpoint/2010/main" val="3455168867"/>
+      </p:ext>
+    </p:extLst>
+  </p:cSld>
+  <p:clrMapOvr>
+    <a:masterClrMapping/>
+  </p:clrMapOvr>
+</p:notes>
+</file>
+
+<file path=ppt/notesSlides/notesSlide4.xml><?xml version="1.0" encoding="utf-8"?>
+<p:notes xmlns:a="http://schemas.openxmlformats.org/drawingml/2006/main" xmlns:r="http://schemas.openxmlformats.org/officeDocument/2006/relationships" xmlns:p="http://schemas.openxmlformats.org/presentationml/2006/main">
+  <p:cSld>
+    <p:spTree>
+      <p:nvGrpSpPr>
+        <p:cNvPr id="1" name=""/>
+        <p:cNvGrpSpPr/>
+        <p:nvPr/>
+      </p:nvGrpSpPr>
+      <p:grpSpPr>
+        <a:xfrm>
+          <a:off x="0" y="0"/>
+          <a:ext cx="0" cy="0"/>
+          <a:chOff x="0" y="0"/>
+          <a:chExt cx="0" cy="0"/>
+        </a:xfrm>
+      </p:grpSpPr>
+      <p:sp>
+        <p:nvSpPr>
+          <p:cNvPr id="2" name="Espace réservé de l'image des diapositives 1"/>
+          <p:cNvSpPr>
+            <a:spLocks noGrp="1" noRot="1" noChangeAspect="1"/>
+          </p:cNvSpPr>
+          <p:nvPr>
+            <p:ph type="sldImg"/>
+          </p:nvPr>
+        </p:nvSpPr>
+        <p:spPr/>
+      </p:sp>
+      <p:sp>
+        <p:nvSpPr>
+          <p:cNvPr id="3" name="Espace réservé des commentaires 2"/>
+          <p:cNvSpPr>
+            <a:spLocks noGrp="1"/>
+          </p:cNvSpPr>
+          <p:nvPr>
+            <p:ph type="body" idx="1"/>
+          </p:nvPr>
+        </p:nvSpPr>
+        <p:spPr/>
+        <p:txBody>
+          <a:bodyPr/>
+          <a:lstStyle/>
+          <a:p>
+            <a:r>
+              <a:rPr lang="fr-FR" dirty="0" smtClean="0"/>
+              <a:t>-essai de mise en place de la méthode agile </a:t>
+            </a:r>
+            <a:r>
+              <a:rPr lang="fr-FR" dirty="0" err="1" smtClean="0"/>
+              <a:t>scrum</a:t>
+            </a:r>
+            <a:r>
+              <a:rPr lang="fr-FR" dirty="0" smtClean="0"/>
+              <a:t> durant cette dernière semaine de travail</a:t>
+            </a:r>
+          </a:p>
+          <a:p>
+            <a:r>
+              <a:rPr lang="fr-FR" dirty="0" smtClean="0"/>
+              <a:t>- réunion tous les matins nous permettant de</a:t>
+            </a:r>
+            <a:r>
+              <a:rPr lang="fr-FR" baseline="0" dirty="0" smtClean="0"/>
+              <a:t> lister les tâches a effectuer</a:t>
+            </a:r>
+          </a:p>
+          <a:p>
+            <a:r>
+              <a:rPr lang="fr-FR" baseline="0" dirty="0" smtClean="0"/>
+              <a:t>-utilisation du site « </a:t>
+            </a:r>
+            <a:r>
+              <a:rPr lang="fr-FR" baseline="0" dirty="0" err="1" smtClean="0"/>
+              <a:t>trello</a:t>
+            </a:r>
+            <a:r>
+              <a:rPr lang="fr-FR" baseline="0" dirty="0" smtClean="0"/>
+              <a:t> » afin de répartir les tâches et nous permettant de connaître les </a:t>
+            </a:r>
+            <a:r>
+              <a:rPr lang="fr-FR" baseline="0" dirty="0" err="1" smtClean="0"/>
+              <a:t>diffucultées</a:t>
+            </a:r>
+            <a:r>
+              <a:rPr lang="fr-FR" baseline="0" dirty="0" smtClean="0"/>
+              <a:t> rencontrés lors de la journée qui vient de s’écouler</a:t>
+            </a:r>
+          </a:p>
+          <a:p>
+            <a:r>
+              <a:rPr lang="fr-FR" baseline="0" dirty="0" smtClean="0"/>
+              <a:t>-niveau uniforme entre les collaborateurs: répartition faite de telles sorte à ce que chacun des collaborateurs puisse s’exercer à toute les technologies mise en place dans notre application</a:t>
+            </a:r>
+          </a:p>
+          <a:p>
+            <a:r>
+              <a:rPr lang="fr-FR" baseline="0" dirty="0" smtClean="0"/>
+              <a:t>-si difficulté rencontré, un des collaborateur allait aidé celui en difficulté </a:t>
+            </a:r>
+            <a:endParaRPr lang="fr-FR" dirty="0"/>
+          </a:p>
+        </p:txBody>
+      </p:sp>
+      <p:sp>
+        <p:nvSpPr>
+          <p:cNvPr id="4" name="Espace réservé du numéro de diapositive 3"/>
+          <p:cNvSpPr>
+            <a:spLocks noGrp="1"/>
+          </p:cNvSpPr>
+          <p:nvPr>
+            <p:ph type="sldNum" sz="quarter" idx="10"/>
+          </p:nvPr>
+        </p:nvSpPr>
+        <p:spPr/>
+        <p:txBody>
+          <a:bodyPr/>
+          <a:lstStyle/>
+          <a:p>
+            <a:fld id="{1DCD95D1-97C3-49B9-89D8-DAB6BB2B9464}" type="slidenum">
+              <a:rPr lang="fr-FR" smtClean="0"/>
+              <a:t>6</a:t>
+            </a:fld>
+            <a:endParaRPr lang="fr-FR"/>
+          </a:p>
+        </p:txBody>
+      </p:sp>
+    </p:spTree>
+    <p:extLst>
+      <p:ext uri="{BB962C8B-B14F-4D97-AF65-F5344CB8AC3E}">
+        <p14:creationId xmlns:p14="http://schemas.microsoft.com/office/powerpoint/2010/main" val="2291451892"/>
+      </p:ext>
+    </p:extLst>
+  </p:cSld>
+  <p:clrMapOvr>
+    <a:masterClrMapping/>
+  </p:clrMapOvr>
+</p:notes>
+</file>
+
+<file path=ppt/notesSlides/notesSlide5.xml><?xml version="1.0" encoding="utf-8"?>
+<p:notes xmlns:a="http://schemas.openxmlformats.org/drawingml/2006/main" xmlns:r="http://schemas.openxmlformats.org/officeDocument/2006/relationships" xmlns:p="http://schemas.openxmlformats.org/presentationml/2006/main">
+  <p:cSld>
+    <p:spTree>
+      <p:nvGrpSpPr>
+        <p:cNvPr id="1" name=""/>
+        <p:cNvGrpSpPr/>
+        <p:nvPr/>
+      </p:nvGrpSpPr>
+      <p:grpSpPr>
+        <a:xfrm>
+          <a:off x="0" y="0"/>
+          <a:ext cx="0" cy="0"/>
+          <a:chOff x="0" y="0"/>
+          <a:chExt cx="0" cy="0"/>
+        </a:xfrm>
+      </p:grpSpPr>
+      <p:sp>
+        <p:nvSpPr>
+          <p:cNvPr id="2" name="Espace réservé de l'image des diapositives 1"/>
+          <p:cNvSpPr>
+            <a:spLocks noGrp="1" noRot="1" noChangeAspect="1"/>
+          </p:cNvSpPr>
+          <p:nvPr>
+            <p:ph type="sldImg"/>
+          </p:nvPr>
+        </p:nvSpPr>
+        <p:spPr/>
+      </p:sp>
+      <p:sp>
+        <p:nvSpPr>
+          <p:cNvPr id="3" name="Espace réservé des commentaires 2"/>
+          <p:cNvSpPr>
+            <a:spLocks noGrp="1"/>
+          </p:cNvSpPr>
+          <p:nvPr>
+            <p:ph type="body" idx="1"/>
+          </p:nvPr>
+        </p:nvSpPr>
+        <p:spPr/>
+        <p:txBody>
+          <a:bodyPr/>
+          <a:lstStyle/>
+          <a:p>
+            <a:endParaRPr lang="fr-FR" dirty="0"/>
+          </a:p>
+        </p:txBody>
+      </p:sp>
+      <p:sp>
+        <p:nvSpPr>
+          <p:cNvPr id="4" name="Espace réservé du numéro de diapositive 3"/>
+          <p:cNvSpPr>
+            <a:spLocks noGrp="1"/>
+          </p:cNvSpPr>
+          <p:nvPr>
+            <p:ph type="sldNum" sz="quarter" idx="10"/>
+          </p:nvPr>
+        </p:nvSpPr>
+        <p:spPr/>
+        <p:txBody>
+          <a:bodyPr/>
+          <a:lstStyle/>
+          <a:p>
+            <a:fld id="{1DCD95D1-97C3-49B9-89D8-DAB6BB2B9464}" type="slidenum">
+              <a:rPr lang="fr-FR" smtClean="0"/>
+              <a:t>7</a:t>
+            </a:fld>
+            <a:endParaRPr lang="fr-FR"/>
+          </a:p>
+        </p:txBody>
+      </p:sp>
+    </p:spTree>
+    <p:extLst>
+      <p:ext uri="{BB962C8B-B14F-4D97-AF65-F5344CB8AC3E}">
+        <p14:creationId xmlns:p14="http://schemas.microsoft.com/office/powerpoint/2010/main" val="148387648"/>
       </p:ext>
     </p:extLst>
   </p:cSld>
@@ -4329,14 +4692,14 @@
       </p:sp>
       <p:sp>
         <p:nvSpPr>
-          <p:cNvPr id="4" name="ZoneTexte 3"/>
+          <p:cNvPr id="8" name="ZoneTexte 7"/>
           <p:cNvSpPr txBox="1"/>
           <p:nvPr/>
         </p:nvSpPr>
         <p:spPr>
           <a:xfrm>
-            <a:off x="1476508" y="2497576"/>
-            <a:ext cx="9381992" cy="1862048"/>
+            <a:off x="4071296" y="834395"/>
+            <a:ext cx="4039882" cy="769441"/>
           </a:xfrm>
           <a:prstGeom prst="rect">
             <a:avLst/>
@@ -4349,14 +4712,378 @@
           </a:bodyPr>
           <a:lstStyle/>
           <a:p>
-            <a:r>
-              <a:rPr lang="fr-FR" sz="11500" dirty="0" smtClean="0"/>
-              <a:t>Diapo de base</a:t>
-            </a:r>
-            <a:endParaRPr lang="fr-FR" sz="11500" dirty="0"/>
-          </a:p>
-        </p:txBody>
-      </p:sp>
+            <a:pPr algn="ctr"/>
+            <a:r>
+              <a:rPr lang="fr-FR" sz="4400" dirty="0" smtClean="0"/>
+              <a:t>Conclusion</a:t>
+            </a:r>
+            <a:endParaRPr lang="fr-FR" sz="4400" dirty="0"/>
+          </a:p>
+        </p:txBody>
+      </p:sp>
+      <p:grpSp>
+        <p:nvGrpSpPr>
+          <p:cNvPr id="9" name="Groupe 8"/>
+          <p:cNvGrpSpPr/>
+          <p:nvPr/>
+        </p:nvGrpSpPr>
+        <p:grpSpPr>
+          <a:xfrm>
+            <a:off x="3185271" y="2806740"/>
+            <a:ext cx="1450181" cy="1227228"/>
+            <a:chOff x="1128712" y="3072561"/>
+            <a:chExt cx="1450181" cy="1227228"/>
+          </a:xfrm>
+        </p:grpSpPr>
+        <p:pic>
+          <p:nvPicPr>
+            <p:cNvPr id="10" name="Image 9"/>
+            <p:cNvPicPr>
+              <a:picLocks noChangeAspect="1"/>
+            </p:cNvPicPr>
+            <p:nvPr/>
+          </p:nvPicPr>
+          <p:blipFill rotWithShape="1">
+            <a:blip r:embed="rId3" cstate="print">
+              <a:extLst>
+                <a:ext uri="{28A0092B-C50C-407E-A947-70E740481C1C}">
+                  <a14:useLocalDpi xmlns:a14="http://schemas.microsoft.com/office/drawing/2010/main" val="0"/>
+                </a:ext>
+              </a:extLst>
+            </a:blip>
+            <a:srcRect b="16708"/>
+            <a:stretch/>
+          </p:blipFill>
+          <p:spPr>
+            <a:xfrm>
+              <a:off x="1600200" y="3237930"/>
+              <a:ext cx="538162" cy="448245"/>
+            </a:xfrm>
+            <a:prstGeom prst="rect">
+              <a:avLst/>
+            </a:prstGeom>
+          </p:spPr>
+        </p:pic>
+        <p:sp>
+          <p:nvSpPr>
+            <p:cNvPr id="11" name="ZoneTexte 10"/>
+            <p:cNvSpPr txBox="1"/>
+            <p:nvPr/>
+          </p:nvSpPr>
+          <p:spPr>
+            <a:xfrm>
+              <a:off x="1345406" y="3853534"/>
+              <a:ext cx="1047750" cy="369332"/>
+            </a:xfrm>
+            <a:prstGeom prst="rect">
+              <a:avLst/>
+            </a:prstGeom>
+            <a:noFill/>
+          </p:spPr>
+          <p:txBody>
+            <a:bodyPr wrap="square" rtlCol="0">
+              <a:spAutoFit/>
+            </a:bodyPr>
+            <a:lstStyle/>
+            <a:p>
+              <a:pPr algn="ctr"/>
+              <a:r>
+                <a:rPr lang="fr-FR" dirty="0" smtClean="0"/>
+                <a:t>Équipe</a:t>
+              </a:r>
+              <a:endParaRPr lang="fr-FR" dirty="0"/>
+            </a:p>
+          </p:txBody>
+        </p:sp>
+        <p:sp>
+          <p:nvSpPr>
+            <p:cNvPr id="12" name="Rectangle 11"/>
+            <p:cNvSpPr/>
+            <p:nvPr/>
+          </p:nvSpPr>
+          <p:spPr>
+            <a:xfrm>
+              <a:off x="1128712" y="3072561"/>
+              <a:ext cx="1450181" cy="1227228"/>
+            </a:xfrm>
+            <a:prstGeom prst="rect">
+              <a:avLst/>
+            </a:prstGeom>
+            <a:noFill/>
+            <a:ln>
+              <a:solidFill>
+                <a:srgbClr val="414141"/>
+              </a:solidFill>
+            </a:ln>
+          </p:spPr>
+          <p:style>
+            <a:lnRef idx="2">
+              <a:schemeClr val="accent1">
+                <a:shade val="50000"/>
+              </a:schemeClr>
+            </a:lnRef>
+            <a:fillRef idx="1">
+              <a:schemeClr val="accent1"/>
+            </a:fillRef>
+            <a:effectRef idx="0">
+              <a:schemeClr val="accent1"/>
+            </a:effectRef>
+            <a:fontRef idx="minor">
+              <a:schemeClr val="lt1"/>
+            </a:fontRef>
+          </p:style>
+          <p:txBody>
+            <a:bodyPr rtlCol="0" anchor="ctr"/>
+            <a:lstStyle/>
+            <a:p>
+              <a:pPr algn="ctr"/>
+              <a:endParaRPr lang="fr-FR"/>
+            </a:p>
+          </p:txBody>
+        </p:sp>
+      </p:grpSp>
+      <p:grpSp>
+        <p:nvGrpSpPr>
+          <p:cNvPr id="13" name="Groupe 12"/>
+          <p:cNvGrpSpPr/>
+          <p:nvPr/>
+        </p:nvGrpSpPr>
+        <p:grpSpPr>
+          <a:xfrm>
+            <a:off x="5342683" y="2823232"/>
+            <a:ext cx="1450181" cy="1227228"/>
+            <a:chOff x="4079081" y="3072561"/>
+            <a:chExt cx="1450181" cy="1227228"/>
+          </a:xfrm>
+        </p:grpSpPr>
+        <p:pic>
+          <p:nvPicPr>
+            <p:cNvPr id="14" name="Image 13"/>
+            <p:cNvPicPr>
+              <a:picLocks noChangeAspect="1"/>
+            </p:cNvPicPr>
+            <p:nvPr/>
+          </p:nvPicPr>
+          <p:blipFill rotWithShape="1">
+            <a:blip r:embed="rId4" cstate="print">
+              <a:extLst>
+                <a:ext uri="{28A0092B-C50C-407E-A947-70E740481C1C}">
+                  <a14:useLocalDpi xmlns:a14="http://schemas.microsoft.com/office/drawing/2010/main" val="0"/>
+                </a:ext>
+              </a:extLst>
+            </a:blip>
+            <a:srcRect b="14760"/>
+            <a:stretch/>
+          </p:blipFill>
+          <p:spPr>
+            <a:xfrm>
+              <a:off x="4505325" y="3237930"/>
+              <a:ext cx="714375" cy="608934"/>
+            </a:xfrm>
+            <a:prstGeom prst="rect">
+              <a:avLst/>
+            </a:prstGeom>
+          </p:spPr>
+        </p:pic>
+        <p:sp>
+          <p:nvSpPr>
+            <p:cNvPr id="15" name="ZoneTexte 14"/>
+            <p:cNvSpPr txBox="1"/>
+            <p:nvPr/>
+          </p:nvSpPr>
+          <p:spPr>
+            <a:xfrm>
+              <a:off x="4114800" y="3853534"/>
+              <a:ext cx="1376360" cy="369332"/>
+            </a:xfrm>
+            <a:prstGeom prst="rect">
+              <a:avLst/>
+            </a:prstGeom>
+            <a:noFill/>
+          </p:spPr>
+          <p:txBody>
+            <a:bodyPr wrap="square" rtlCol="0">
+              <a:spAutoFit/>
+            </a:bodyPr>
+            <a:lstStyle/>
+            <a:p>
+              <a:pPr algn="ctr"/>
+              <a:r>
+                <a:rPr lang="fr-FR" dirty="0" smtClean="0"/>
+                <a:t>Organisation</a:t>
+              </a:r>
+              <a:endParaRPr lang="fr-FR" dirty="0"/>
+            </a:p>
+          </p:txBody>
+        </p:sp>
+        <p:sp>
+          <p:nvSpPr>
+            <p:cNvPr id="16" name="Rectangle 15"/>
+            <p:cNvSpPr/>
+            <p:nvPr/>
+          </p:nvSpPr>
+          <p:spPr>
+            <a:xfrm>
+              <a:off x="4079081" y="3072561"/>
+              <a:ext cx="1450181" cy="1227228"/>
+            </a:xfrm>
+            <a:prstGeom prst="rect">
+              <a:avLst/>
+            </a:prstGeom>
+            <a:noFill/>
+            <a:ln>
+              <a:solidFill>
+                <a:srgbClr val="414141"/>
+              </a:solidFill>
+            </a:ln>
+          </p:spPr>
+          <p:style>
+            <a:lnRef idx="2">
+              <a:schemeClr val="accent1">
+                <a:shade val="50000"/>
+              </a:schemeClr>
+            </a:lnRef>
+            <a:fillRef idx="1">
+              <a:schemeClr val="accent1"/>
+            </a:fillRef>
+            <a:effectRef idx="0">
+              <a:schemeClr val="accent1"/>
+            </a:effectRef>
+            <a:fontRef idx="minor">
+              <a:schemeClr val="lt1"/>
+            </a:fontRef>
+          </p:style>
+          <p:txBody>
+            <a:bodyPr rtlCol="0" anchor="ctr"/>
+            <a:lstStyle/>
+            <a:p>
+              <a:pPr algn="ctr"/>
+              <a:endParaRPr lang="fr-FR"/>
+            </a:p>
+          </p:txBody>
+        </p:sp>
+      </p:grpSp>
+      <p:grpSp>
+        <p:nvGrpSpPr>
+          <p:cNvPr id="17" name="Groupe 16"/>
+          <p:cNvGrpSpPr/>
+          <p:nvPr/>
+        </p:nvGrpSpPr>
+        <p:grpSpPr>
+          <a:xfrm>
+            <a:off x="7500095" y="2823232"/>
+            <a:ext cx="1450181" cy="1227228"/>
+            <a:chOff x="8823721" y="2996531"/>
+            <a:chExt cx="1450181" cy="1227228"/>
+          </a:xfrm>
+        </p:grpSpPr>
+        <p:pic>
+          <p:nvPicPr>
+            <p:cNvPr id="18" name="Image 17"/>
+            <p:cNvPicPr>
+              <a:picLocks noChangeAspect="1"/>
+            </p:cNvPicPr>
+            <p:nvPr/>
+          </p:nvPicPr>
+          <p:blipFill rotWithShape="1">
+            <a:blip r:embed="rId5" cstate="print">
+              <a:extLst>
+                <a:ext uri="{28A0092B-C50C-407E-A947-70E740481C1C}">
+                  <a14:useLocalDpi xmlns:a14="http://schemas.microsoft.com/office/drawing/2010/main" val="0"/>
+                </a:ext>
+              </a:extLst>
+            </a:blip>
+            <a:srcRect b="14623"/>
+            <a:stretch/>
+          </p:blipFill>
+          <p:spPr>
+            <a:xfrm>
+              <a:off x="9229725" y="3197728"/>
+              <a:ext cx="638174" cy="544850"/>
+            </a:xfrm>
+            <a:prstGeom prst="rect">
+              <a:avLst/>
+            </a:prstGeom>
+          </p:spPr>
+        </p:pic>
+        <p:sp>
+          <p:nvSpPr>
+            <p:cNvPr id="19" name="ZoneTexte 18"/>
+            <p:cNvSpPr txBox="1"/>
+            <p:nvPr/>
+          </p:nvSpPr>
+          <p:spPr>
+            <a:xfrm>
+              <a:off x="9102254" y="3846864"/>
+              <a:ext cx="893116" cy="369332"/>
+            </a:xfrm>
+            <a:prstGeom prst="rect">
+              <a:avLst/>
+            </a:prstGeom>
+            <a:noFill/>
+          </p:spPr>
+          <p:txBody>
+            <a:bodyPr wrap="square" rtlCol="0">
+              <a:spAutoFit/>
+            </a:bodyPr>
+            <a:lstStyle/>
+            <a:p>
+              <a:pPr algn="ctr"/>
+              <a:r>
+                <a:rPr lang="fr-FR" dirty="0" smtClean="0"/>
+                <a:t>Suivi</a:t>
+              </a:r>
+              <a:endParaRPr lang="fr-FR" dirty="0"/>
+            </a:p>
+          </p:txBody>
+        </p:sp>
+        <p:sp>
+          <p:nvSpPr>
+            <p:cNvPr id="20" name="Rectangle 19"/>
+            <p:cNvSpPr/>
+            <p:nvPr/>
+          </p:nvSpPr>
+          <p:spPr>
+            <a:xfrm>
+              <a:off x="8823721" y="2996531"/>
+              <a:ext cx="1450181" cy="1227228"/>
+            </a:xfrm>
+            <a:prstGeom prst="rect">
+              <a:avLst/>
+            </a:prstGeom>
+            <a:noFill/>
+            <a:ln>
+              <a:solidFill>
+                <a:srgbClr val="414141"/>
+              </a:solidFill>
+            </a:ln>
+          </p:spPr>
+          <p:style>
+            <a:lnRef idx="2">
+              <a:schemeClr val="accent1">
+                <a:shade val="50000"/>
+              </a:schemeClr>
+            </a:lnRef>
+            <a:fillRef idx="1">
+              <a:schemeClr val="accent1"/>
+            </a:fillRef>
+            <a:effectRef idx="0">
+              <a:schemeClr val="accent1"/>
+            </a:effectRef>
+            <a:fontRef idx="minor">
+              <a:schemeClr val="lt1"/>
+            </a:fontRef>
+          </p:style>
+          <p:txBody>
+            <a:bodyPr rtlCol="0" anchor="ctr"/>
+            <a:lstStyle/>
+            <a:p>
+              <a:pPr algn="ctr"/>
+              <a:endParaRPr lang="fr-FR"/>
+            </a:p>
+          </p:txBody>
+        </p:sp>
+      </p:grpSp>
     </p:spTree>
     <p:extLst>
       <p:ext uri="{BB962C8B-B14F-4D97-AF65-F5344CB8AC3E}">
@@ -4396,87 +5123,40 @@
       </p:grpSpPr>
       <p:sp>
         <p:nvSpPr>
-          <p:cNvPr id="3" name="Espace réservé du contenu 2"/>
+          <p:cNvPr id="6" name="AutoShape 2" descr="Résultat de recherche d'images pour &quot;DEODIS&quot;"/>
           <p:cNvSpPr>
-            <a:spLocks noGrp="1"/>
+            <a:spLocks noChangeAspect="1" noChangeArrowheads="1"/>
           </p:cNvSpPr>
-          <p:nvPr>
-            <p:ph idx="1"/>
-          </p:nvPr>
-        </p:nvSpPr>
-        <p:spPr>
-          <a:xfrm>
-            <a:off x="677334" y="1631957"/>
-            <a:ext cx="8596668" cy="3880773"/>
-          </a:xfrm>
-        </p:spPr>
-        <p:txBody>
-          <a:bodyPr>
-            <a:normAutofit/>
+          <p:nvPr/>
+        </p:nvSpPr>
+        <p:spPr bwMode="auto">
+          <a:xfrm>
+            <a:off x="155575" y="-144463"/>
+            <a:ext cx="304800" cy="304801"/>
+          </a:xfrm>
+          <a:prstGeom prst="rect">
+            <a:avLst/>
+          </a:prstGeom>
+          <a:noFill/>
+          <a:extLst>
+            <a:ext uri="{909E8E84-426E-40DD-AFC4-6F175D3DCCD1}">
+              <a14:hiddenFill xmlns:a14="http://schemas.microsoft.com/office/drawing/2010/main">
+                <a:solidFill>
+                  <a:srgbClr val="FFFFFF"/>
+                </a:solidFill>
+              </a14:hiddenFill>
+            </a:ext>
+          </a:extLst>
+        </p:spPr>
+        <p:txBody>
+          <a:bodyPr vert="horz" wrap="square" lIns="91440" tIns="45720" rIns="91440" bIns="45720" numCol="1" anchor="t" anchorCtr="0" compatLnSpc="1">
+            <a:prstTxWarp prst="textNoShape">
+              <a:avLst/>
+            </a:prstTxWarp>
           </a:bodyPr>
           <a:lstStyle/>
           <a:p>
-            <a:r>
-              <a:rPr lang="fr-FR" sz="3000" dirty="0">
-                <a:latin typeface="Arial" panose="020B0604020202020204" pitchFamily="34" charset="0"/>
-                <a:cs typeface="Arial" panose="020B0604020202020204" pitchFamily="34" charset="0"/>
-              </a:rPr>
-              <a:t>Présentation équipe</a:t>
-            </a:r>
-          </a:p>
-          <a:p>
-            <a:r>
-              <a:rPr lang="fr-FR" sz="3000" dirty="0">
-                <a:latin typeface="Arial" panose="020B0604020202020204" pitchFamily="34" charset="0"/>
-                <a:cs typeface="Arial" panose="020B0604020202020204" pitchFamily="34" charset="0"/>
-              </a:rPr>
-              <a:t>Contexte Projet</a:t>
-            </a:r>
-          </a:p>
-          <a:p>
-            <a:r>
-              <a:rPr lang="fr-FR" sz="3000" dirty="0">
-                <a:latin typeface="Arial" panose="020B0604020202020204" pitchFamily="34" charset="0"/>
-                <a:cs typeface="Arial" panose="020B0604020202020204" pitchFamily="34" charset="0"/>
-              </a:rPr>
-              <a:t>Organisation</a:t>
-            </a:r>
-          </a:p>
-          <a:p>
-            <a:r>
-              <a:rPr lang="fr-FR" sz="3000" dirty="0">
-                <a:latin typeface="Arial" panose="020B0604020202020204" pitchFamily="34" charset="0"/>
-                <a:cs typeface="Arial" panose="020B0604020202020204" pitchFamily="34" charset="0"/>
-              </a:rPr>
-              <a:t>Conception</a:t>
-            </a:r>
-          </a:p>
-          <a:p>
-            <a:r>
-              <a:rPr lang="fr-FR" sz="3000" dirty="0">
-                <a:latin typeface="Arial" panose="020B0604020202020204" pitchFamily="34" charset="0"/>
-                <a:cs typeface="Arial" panose="020B0604020202020204" pitchFamily="34" charset="0"/>
-              </a:rPr>
-              <a:t>Solution et implémentation</a:t>
-            </a:r>
-          </a:p>
-          <a:p>
-            <a:r>
-              <a:rPr lang="fr-FR" sz="3000" dirty="0">
-                <a:latin typeface="Arial" panose="020B0604020202020204" pitchFamily="34" charset="0"/>
-                <a:cs typeface="Arial" panose="020B0604020202020204" pitchFamily="34" charset="0"/>
-              </a:rPr>
-              <a:t>Accompagnement </a:t>
-            </a:r>
-          </a:p>
-          <a:p>
-            <a:pPr marL="0" indent="0">
-              <a:buNone/>
-            </a:pPr>
-            <a:endParaRPr lang="fr-FR" dirty="0" smtClean="0"/>
-          </a:p>
-          <a:p>
-            <a:endParaRPr lang="fr-FR" dirty="0"/>
+            <a:endParaRPr lang="fr-FR"/>
           </a:p>
         </p:txBody>
       </p:sp>
@@ -4488,8 +5168,130 @@
         </p:nvSpPr>
         <p:spPr>
           <a:xfrm>
-            <a:off x="254249" y="6333677"/>
-            <a:ext cx="3253221" cy="400110"/>
+            <a:off x="0" y="6213734"/>
+            <a:ext cx="12192000" cy="643467"/>
+          </a:xfrm>
+          <a:prstGeom prst="rect">
+            <a:avLst/>
+          </a:prstGeom>
+          <a:solidFill>
+            <a:srgbClr val="414141"/>
+          </a:solidFill>
+          <a:ln>
+            <a:noFill/>
+          </a:ln>
+        </p:spPr>
+        <p:style>
+          <a:lnRef idx="2">
+            <a:schemeClr val="accent1">
+              <a:shade val="50000"/>
+            </a:schemeClr>
+          </a:lnRef>
+          <a:fillRef idx="1">
+            <a:schemeClr val="accent1"/>
+          </a:fillRef>
+          <a:effectRef idx="0">
+            <a:schemeClr val="accent1"/>
+          </a:effectRef>
+          <a:fontRef idx="minor">
+            <a:schemeClr val="lt1"/>
+          </a:fontRef>
+        </p:style>
+        <p:txBody>
+          <a:bodyPr rtlCol="0" anchor="ctr"/>
+          <a:lstStyle/>
+          <a:p>
+            <a:pPr algn="ctr"/>
+            <a:endParaRPr lang="fr-FR"/>
+          </a:p>
+        </p:txBody>
+      </p:sp>
+      <p:sp>
+        <p:nvSpPr>
+          <p:cNvPr id="2" name="Rectangle 1"/>
+          <p:cNvSpPr/>
+          <p:nvPr/>
+        </p:nvSpPr>
+        <p:spPr>
+          <a:xfrm>
+            <a:off x="0" y="0"/>
+            <a:ext cx="12192000" cy="643467"/>
+          </a:xfrm>
+          <a:prstGeom prst="rect">
+            <a:avLst/>
+          </a:prstGeom>
+          <a:solidFill>
+            <a:srgbClr val="414141"/>
+          </a:solidFill>
+          <a:ln>
+            <a:noFill/>
+          </a:ln>
+        </p:spPr>
+        <p:style>
+          <a:lnRef idx="2">
+            <a:schemeClr val="accent1">
+              <a:shade val="50000"/>
+            </a:schemeClr>
+          </a:lnRef>
+          <a:fillRef idx="1">
+            <a:schemeClr val="accent1"/>
+          </a:fillRef>
+          <a:effectRef idx="0">
+            <a:schemeClr val="accent1"/>
+          </a:effectRef>
+          <a:fontRef idx="minor">
+            <a:schemeClr val="lt1"/>
+          </a:fontRef>
+        </p:style>
+        <p:txBody>
+          <a:bodyPr rtlCol="0" anchor="ctr"/>
+          <a:lstStyle/>
+          <a:p>
+            <a:pPr algn="ctr"/>
+            <a:endParaRPr lang="fr-FR"/>
+          </a:p>
+        </p:txBody>
+      </p:sp>
+      <p:pic>
+        <p:nvPicPr>
+          <p:cNvPr id="3" name="Image 2"/>
+          <p:cNvPicPr>
+            <a:picLocks noChangeAspect="1"/>
+          </p:cNvPicPr>
+          <p:nvPr/>
+        </p:nvPicPr>
+        <p:blipFill>
+          <a:blip r:embed="rId2" cstate="print">
+            <a:extLst>
+              <a:ext uri="{28A0092B-C50C-407E-A947-70E740481C1C}">
+                <a14:useLocalDpi xmlns:a14="http://schemas.microsoft.com/office/drawing/2010/main" val="0"/>
+              </a:ext>
+            </a:extLst>
+          </a:blip>
+          <a:stretch>
+            <a:fillRect/>
+          </a:stretch>
+        </p:blipFill>
+        <p:spPr>
+          <a:xfrm>
+            <a:off x="307975" y="-52984"/>
+            <a:ext cx="749433" cy="749433"/>
+          </a:xfrm>
+          <a:prstGeom prst="rect">
+            <a:avLst/>
+          </a:prstGeom>
+        </p:spPr>
+      </p:pic>
+      <p:sp>
+        <p:nvSpPr>
+          <p:cNvPr id="5" name="ZoneTexte 4"/>
+          <p:cNvSpPr txBox="1"/>
+          <p:nvPr/>
+        </p:nvSpPr>
+        <p:spPr>
+          <a:xfrm>
+            <a:off x="4433887" y="6404662"/>
+            <a:ext cx="3314700" cy="261610"/>
           </a:xfrm>
           <a:prstGeom prst="rect">
             <a:avLst/>
@@ -4497,54 +5299,38 @@
           <a:noFill/>
         </p:spPr>
         <p:txBody>
-          <a:bodyPr wrap="square" lIns="91440" tIns="45720" rIns="91440" bIns="45720">
+          <a:bodyPr wrap="square" rtlCol="0">
             <a:spAutoFit/>
           </a:bodyPr>
           <a:lstStyle/>
           <a:p>
             <a:pPr algn="ctr"/>
             <a:r>
-              <a:rPr lang="fr-FR" sz="2000" b="0" cap="none" spc="0" dirty="0" smtClean="0">
-                <a:ln w="0"/>
+              <a:rPr lang="it-IT" sz="1050" dirty="0">
                 <a:solidFill>
-                  <a:schemeClr val="accent1"/>
+                  <a:schemeClr val="bg1"/>
                 </a:solidFill>
-                <a:effectLst>
-                  <a:outerShdw blurRad="38100" dist="25400" dir="5400000" algn="ctr" rotWithShape="0">
-                    <a:srgbClr val="6E747A">
-                      <a:alpha val="43000"/>
-                    </a:srgbClr>
-                  </a:outerShdw>
-                </a:effectLst>
               </a:rPr>
-              <a:t>Slogan</a:t>
-            </a:r>
-            <a:endParaRPr lang="fr-FR" sz="2800" b="0" cap="none" spc="0" dirty="0">
-              <a:ln w="0"/>
+              <a:t>© 2019-2020 AJC Ingenierie - SOPRA - Team Artinuaire</a:t>
+            </a:r>
+            <a:endParaRPr lang="fr-FR" sz="1050" dirty="0">
               <a:solidFill>
-                <a:schemeClr val="accent1"/>
+                <a:schemeClr val="bg1"/>
               </a:solidFill>
-              <a:effectLst>
-                <a:outerShdw blurRad="38100" dist="25400" dir="5400000" algn="ctr" rotWithShape="0">
-                  <a:srgbClr val="6E747A">
-                    <a:alpha val="43000"/>
-                  </a:srgbClr>
-                </a:outerShdw>
-              </a:effectLst>
             </a:endParaRPr>
           </a:p>
         </p:txBody>
       </p:sp>
       <p:sp>
         <p:nvSpPr>
-          <p:cNvPr id="8" name="Rectangle 7"/>
-          <p:cNvSpPr/>
-          <p:nvPr/>
-        </p:nvSpPr>
-        <p:spPr>
-          <a:xfrm>
-            <a:off x="4423232" y="524386"/>
-            <a:ext cx="1516762" cy="923330"/>
+          <p:cNvPr id="4" name="ZoneTexte 3"/>
+          <p:cNvSpPr txBox="1"/>
+          <p:nvPr/>
+        </p:nvSpPr>
+        <p:spPr>
+          <a:xfrm>
+            <a:off x="4071296" y="834395"/>
+            <a:ext cx="4039882" cy="769441"/>
           </a:xfrm>
           <a:prstGeom prst="rect">
             <a:avLst/>
@@ -4552,48 +5338,110 @@
           <a:noFill/>
         </p:spPr>
         <p:txBody>
-          <a:bodyPr wrap="none" lIns="91440" tIns="45720" rIns="91440" bIns="45720">
+          <a:bodyPr wrap="square" rtlCol="0">
             <a:spAutoFit/>
           </a:bodyPr>
           <a:lstStyle/>
           <a:p>
             <a:pPr algn="ctr"/>
             <a:r>
-              <a:rPr lang="fr-FR" sz="5400" b="0" cap="none" spc="0" dirty="0" smtClean="0">
-                <a:ln w="0"/>
-                <a:solidFill>
-                  <a:schemeClr val="tx1"/>
-                </a:solidFill>
-                <a:effectLst>
-                  <a:outerShdw blurRad="38100" dist="19050" dir="2700000" algn="tl" rotWithShape="0">
-                    <a:schemeClr val="dk1">
-                      <a:alpha val="40000"/>
-                    </a:schemeClr>
-                  </a:outerShdw>
-                </a:effectLst>
-              </a:rPr>
-              <a:t>Plan</a:t>
-            </a:r>
-            <a:endParaRPr lang="fr-FR" sz="5400" b="0" cap="none" spc="0" dirty="0">
-              <a:ln w="0"/>
-              <a:solidFill>
-                <a:schemeClr val="tx1"/>
-              </a:solidFill>
-              <a:effectLst>
-                <a:outerShdw blurRad="38100" dist="19050" dir="2700000" algn="tl" rotWithShape="0">
-                  <a:schemeClr val="dk1">
-                    <a:alpha val="40000"/>
-                  </a:schemeClr>
-                </a:outerShdw>
-              </a:effectLst>
-            </a:endParaRPr>
+              <a:rPr lang="fr-FR" sz="4400" dirty="0" smtClean="0"/>
+              <a:t>Perspectives</a:t>
+            </a:r>
+            <a:endParaRPr lang="fr-FR" sz="4400" dirty="0"/>
+          </a:p>
+        </p:txBody>
+      </p:sp>
+      <p:sp>
+        <p:nvSpPr>
+          <p:cNvPr id="8" name="ZoneTexte 7"/>
+          <p:cNvSpPr txBox="1"/>
+          <p:nvPr/>
+        </p:nvSpPr>
+        <p:spPr>
+          <a:xfrm>
+            <a:off x="1057408" y="2043238"/>
+            <a:ext cx="9362942" cy="3046988"/>
+          </a:xfrm>
+          <a:prstGeom prst="rect">
+            <a:avLst/>
+          </a:prstGeom>
+          <a:noFill/>
+        </p:spPr>
+        <p:txBody>
+          <a:bodyPr wrap="square" rtlCol="0">
+            <a:spAutoFit/>
+          </a:bodyPr>
+          <a:lstStyle/>
+          <a:p>
+            <a:pPr marL="571500" indent="-571500">
+              <a:buFont typeface="Arial" panose="020B0604020202020204" pitchFamily="34" charset="0"/>
+              <a:buChar char="•"/>
+            </a:pPr>
+            <a:r>
+              <a:rPr lang="fr-FR" sz="3200" dirty="0" smtClean="0"/>
+              <a:t>Consulter leur liste de demandes/offres</a:t>
+            </a:r>
+          </a:p>
+          <a:p>
+            <a:pPr marL="571500" indent="-571500">
+              <a:buFont typeface="Arial" panose="020B0604020202020204" pitchFamily="34" charset="0"/>
+              <a:buChar char="•"/>
+            </a:pPr>
+            <a:r>
+              <a:rPr lang="fr-FR" sz="3200" dirty="0" smtClean="0"/>
+              <a:t>Automatisation de la création des demandes</a:t>
+            </a:r>
+            <a:endParaRPr lang="fr-FR" sz="3200" dirty="0" smtClean="0"/>
+          </a:p>
+          <a:p>
+            <a:pPr marL="571500" indent="-571500">
+              <a:buFont typeface="Arial" panose="020B0604020202020204" pitchFamily="34" charset="0"/>
+              <a:buChar char="•"/>
+            </a:pPr>
+            <a:r>
+              <a:rPr lang="fr-FR" sz="3200" dirty="0" smtClean="0"/>
+              <a:t>Gestion du calendrier</a:t>
+            </a:r>
+          </a:p>
+          <a:p>
+            <a:pPr marL="571500" indent="-571500">
+              <a:buFont typeface="Arial" panose="020B0604020202020204" pitchFamily="34" charset="0"/>
+              <a:buChar char="•"/>
+            </a:pPr>
+            <a:r>
+              <a:rPr lang="fr-FR" sz="3200" dirty="0" err="1" smtClean="0"/>
+              <a:t>Gélocalisation</a:t>
+            </a:r>
+            <a:endParaRPr lang="fr-FR" sz="3200" dirty="0" smtClean="0"/>
+          </a:p>
+          <a:p>
+            <a:pPr marL="571500" indent="-571500">
+              <a:buFont typeface="Arial" panose="020B0604020202020204" pitchFamily="34" charset="0"/>
+              <a:buChar char="•"/>
+            </a:pPr>
+            <a:r>
+              <a:rPr lang="fr-FR" sz="3200" dirty="0" smtClean="0"/>
+              <a:t>Plateforme de paiement</a:t>
+            </a:r>
+          </a:p>
+          <a:p>
+            <a:pPr marL="571500" indent="-571500">
+              <a:buFont typeface="Arial" panose="020B0604020202020204" pitchFamily="34" charset="0"/>
+              <a:buChar char="•"/>
+            </a:pPr>
+            <a:r>
+              <a:rPr lang="fr-FR" sz="3200" dirty="0" smtClean="0"/>
+              <a:t>…</a:t>
+            </a:r>
+            <a:endParaRPr lang="fr-FR" sz="3200" dirty="0"/>
           </a:p>
         </p:txBody>
       </p:sp>
     </p:spTree>
     <p:extLst>
       <p:ext uri="{BB962C8B-B14F-4D97-AF65-F5344CB8AC3E}">
-        <p14:creationId xmlns:p14="http://schemas.microsoft.com/office/powerpoint/2010/main" val="302046910"/>
+        <p14:creationId xmlns:p14="http://schemas.microsoft.com/office/powerpoint/2010/main" val="2692883855"/>
       </p:ext>
     </p:extLst>
   </p:cSld>
@@ -7096,7 +7944,7 @@
         </p:nvSpPr>
         <p:spPr>
           <a:xfrm>
-            <a:off x="1436334" y="3217910"/>
+            <a:off x="2490068" y="3039819"/>
             <a:ext cx="1428785" cy="369332"/>
           </a:xfrm>
           <a:prstGeom prst="rect">
@@ -7131,7 +7979,7 @@
         </p:nvSpPr>
         <p:spPr>
           <a:xfrm>
-            <a:off x="1436333" y="3683819"/>
+            <a:off x="8699282" y="2981997"/>
             <a:ext cx="1428785" cy="369332"/>
           </a:xfrm>
           <a:prstGeom prst="rect">
@@ -7147,78 +7995,8 @@
           <a:p>
             <a:pPr algn="ctr"/>
             <a:r>
-              <a:rPr lang="fr-FR" dirty="0"/>
-              <a:t>B</a:t>
-            </a:r>
-            <a:r>
               <a:rPr lang="fr-FR" dirty="0" smtClean="0"/>
-              <a:t>esoin </a:t>
-            </a:r>
-            <a:endParaRPr lang="fr-FR" dirty="0"/>
-          </a:p>
-        </p:txBody>
-      </p:sp>
-      <p:sp>
-        <p:nvSpPr>
-          <p:cNvPr id="14" name="ZoneTexte 13"/>
-          <p:cNvSpPr txBox="1"/>
-          <p:nvPr/>
-        </p:nvSpPr>
-        <p:spPr>
-          <a:xfrm>
-            <a:off x="6468086" y="3919349"/>
-            <a:ext cx="1767870" cy="369332"/>
-          </a:xfrm>
-          <a:prstGeom prst="rect">
-            <a:avLst/>
-          </a:prstGeom>
-          <a:noFill/>
-        </p:spPr>
-        <p:txBody>
-          <a:bodyPr wrap="square" rtlCol="0">
-            <a:spAutoFit/>
-          </a:bodyPr>
-          <a:lstStyle/>
-          <a:p>
-            <a:pPr algn="ctr"/>
-            <a:r>
-              <a:rPr lang="fr-FR" dirty="0" smtClean="0"/>
-              <a:t>Product </a:t>
-            </a:r>
-            <a:r>
-              <a:rPr lang="fr-FR" dirty="0" err="1" smtClean="0"/>
-              <a:t>Backlog</a:t>
-            </a:r>
-            <a:endParaRPr lang="fr-FR" dirty="0"/>
-          </a:p>
-        </p:txBody>
-      </p:sp>
-      <p:sp>
-        <p:nvSpPr>
-          <p:cNvPr id="15" name="ZoneTexte 14"/>
-          <p:cNvSpPr txBox="1"/>
-          <p:nvPr/>
-        </p:nvSpPr>
-        <p:spPr>
-          <a:xfrm>
-            <a:off x="8959171" y="3314487"/>
-            <a:ext cx="1428785" cy="369332"/>
-          </a:xfrm>
-          <a:prstGeom prst="rect">
-            <a:avLst/>
-          </a:prstGeom>
-          <a:noFill/>
-        </p:spPr>
-        <p:txBody>
-          <a:bodyPr wrap="square" rtlCol="0">
-            <a:spAutoFit/>
-          </a:bodyPr>
-          <a:lstStyle/>
-          <a:p>
-            <a:pPr algn="ctr"/>
-            <a:r>
-              <a:rPr lang="fr-FR" dirty="0" smtClean="0"/>
-              <a:t>Technologie</a:t>
+              <a:t>Besoins </a:t>
             </a:r>
             <a:endParaRPr lang="fr-FR" dirty="0"/>
           </a:p>
@@ -7226,13 +8004,13 @@
       </p:sp>
       <p:pic>
         <p:nvPicPr>
-          <p:cNvPr id="1026" name="Picture 2" descr="Résultat de recherche d'images pour &quot;logo javascript&quot;"/>
+          <p:cNvPr id="4" name="Image 3"/>
           <p:cNvPicPr>
-            <a:picLocks noChangeAspect="1" noChangeArrowheads="1"/>
+            <a:picLocks noChangeAspect="1"/>
           </p:cNvPicPr>
           <p:nvPr/>
         </p:nvPicPr>
-        <p:blipFill>
+        <p:blipFill rotWithShape="1">
           <a:blip r:embed="rId5" cstate="print">
             <a:extLst>
               <a:ext uri="{28A0092B-C50C-407E-A947-70E740481C1C}">
@@ -7240,36 +8018,24 @@
               </a:ext>
             </a:extLst>
           </a:blip>
-          <a:srcRect/>
-          <a:stretch>
-            <a:fillRect/>
-          </a:stretch>
+          <a:srcRect b="16760"/>
+          <a:stretch/>
         </p:blipFill>
-        <p:spPr bwMode="auto">
-          <a:xfrm>
-            <a:off x="8760535" y="3882203"/>
-            <a:ext cx="397272" cy="397272"/>
-          </a:xfrm>
-          <a:prstGeom prst="rect">
-            <a:avLst/>
-          </a:prstGeom>
-          <a:noFill/>
-          <a:extLst>
-            <a:ext uri="{909E8E84-426E-40DD-AFC4-6F175D3DCCD1}">
-              <a14:hiddenFill xmlns:a14="http://schemas.microsoft.com/office/drawing/2010/main">
-                <a:solidFill>
-                  <a:srgbClr val="FFFFFF"/>
-                </a:solidFill>
-              </a14:hiddenFill>
-            </a:ext>
-          </a:extLst>
+        <p:spPr>
+          <a:xfrm>
+            <a:off x="2217188" y="3443837"/>
+            <a:ext cx="1974547" cy="1643617"/>
+          </a:xfrm>
+          <a:prstGeom prst="rect">
+            <a:avLst/>
+          </a:prstGeom>
         </p:spPr>
       </p:pic>
       <p:pic>
         <p:nvPicPr>
-          <p:cNvPr id="1030" name="Picture 6" descr="Résultat de recherche d'images pour &quot;logo angular 4&quot;"/>
+          <p:cNvPr id="19" name="Image 18"/>
           <p:cNvPicPr>
-            <a:picLocks noChangeAspect="1" noChangeArrowheads="1"/>
+            <a:picLocks noChangeAspect="1"/>
           </p:cNvPicPr>
           <p:nvPr/>
         </p:nvPicPr>
@@ -7281,207 +8047,13 @@
               </a:ext>
             </a:extLst>
           </a:blip>
-          <a:srcRect l="24306" t="14007" r="24306" b="14007"/>
+          <a:srcRect b="13472"/>
           <a:stretch/>
         </p:blipFill>
-        <p:spPr bwMode="auto">
-          <a:xfrm>
-            <a:off x="9224678" y="3828800"/>
-            <a:ext cx="604234" cy="493741"/>
-          </a:xfrm>
-          <a:prstGeom prst="rect">
-            <a:avLst/>
-          </a:prstGeom>
-          <a:noFill/>
-          <a:extLst>
-            <a:ext uri="{909E8E84-426E-40DD-AFC4-6F175D3DCCD1}">
-              <a14:hiddenFill xmlns:a14="http://schemas.microsoft.com/office/drawing/2010/main">
-                <a:solidFill>
-                  <a:srgbClr val="FFFFFF"/>
-                </a:solidFill>
-              </a14:hiddenFill>
-            </a:ext>
-          </a:extLst>
-        </p:spPr>
-      </p:pic>
-      <p:pic>
-        <p:nvPicPr>
-          <p:cNvPr id="1032" name="Picture 8" descr="Résultat de recherche d'images pour &quot;logo spring boot&quot;"/>
-          <p:cNvPicPr>
-            <a:picLocks noChangeAspect="1" noChangeArrowheads="1"/>
-          </p:cNvPicPr>
-          <p:nvPr/>
-        </p:nvPicPr>
-        <p:blipFill rotWithShape="1">
-          <a:blip r:embed="rId7" cstate="print">
-            <a:extLst>
-              <a:ext uri="{28A0092B-C50C-407E-A947-70E740481C1C}">
-                <a14:useLocalDpi xmlns:a14="http://schemas.microsoft.com/office/drawing/2010/main" val="0"/>
-              </a:ext>
-            </a:extLst>
-          </a:blip>
-          <a:srcRect l="30868" t="14864" r="30868" b="14864"/>
-          <a:stretch/>
-        </p:blipFill>
-        <p:spPr bwMode="auto">
-          <a:xfrm flipV="1">
-            <a:off x="9796290" y="3777544"/>
-            <a:ext cx="537514" cy="514140"/>
-          </a:xfrm>
-          <a:prstGeom prst="rect">
-            <a:avLst/>
-          </a:prstGeom>
-          <a:noFill/>
-          <a:extLst>
-            <a:ext uri="{909E8E84-426E-40DD-AFC4-6F175D3DCCD1}">
-              <a14:hiddenFill xmlns:a14="http://schemas.microsoft.com/office/drawing/2010/main">
-                <a:solidFill>
-                  <a:srgbClr val="FFFFFF"/>
-                </a:solidFill>
-              </a14:hiddenFill>
-            </a:ext>
-          </a:extLst>
-        </p:spPr>
-      </p:pic>
-      <p:grpSp>
-        <p:nvGrpSpPr>
-          <p:cNvPr id="18" name="Groupe 17"/>
-          <p:cNvGrpSpPr/>
-          <p:nvPr/>
-        </p:nvGrpSpPr>
-        <p:grpSpPr>
-          <a:xfrm>
-            <a:off x="4077454" y="3120293"/>
-            <a:ext cx="1333372" cy="1159182"/>
-            <a:chOff x="3495675" y="3648973"/>
-            <a:chExt cx="1333372" cy="1159182"/>
-          </a:xfrm>
-        </p:grpSpPr>
-        <p:pic>
-          <p:nvPicPr>
-            <p:cNvPr id="16" name="Image 15"/>
-            <p:cNvPicPr>
-              <a:picLocks noChangeAspect="1"/>
-            </p:cNvPicPr>
-            <p:nvPr/>
-          </p:nvPicPr>
-          <p:blipFill rotWithShape="1">
-            <a:blip r:embed="rId8" cstate="print">
-              <a:extLst>
-                <a:ext uri="{28A0092B-C50C-407E-A947-70E740481C1C}">
-                  <a14:useLocalDpi xmlns:a14="http://schemas.microsoft.com/office/drawing/2010/main" val="0"/>
-                </a:ext>
-              </a:extLst>
-            </a:blip>
-            <a:srcRect b="13738"/>
-            <a:stretch/>
-          </p:blipFill>
-          <p:spPr>
-            <a:xfrm>
-              <a:off x="3715302" y="3648973"/>
-              <a:ext cx="894119" cy="771282"/>
-            </a:xfrm>
-            <a:prstGeom prst="rect">
-              <a:avLst/>
-            </a:prstGeom>
-          </p:spPr>
-        </p:pic>
-        <p:sp>
-          <p:nvSpPr>
-            <p:cNvPr id="20" name="ZoneTexte 19"/>
-            <p:cNvSpPr txBox="1"/>
-            <p:nvPr/>
-          </p:nvSpPr>
-          <p:spPr>
-            <a:xfrm>
-              <a:off x="3495675" y="4438823"/>
-              <a:ext cx="1333372" cy="369332"/>
-            </a:xfrm>
-            <a:prstGeom prst="rect">
-              <a:avLst/>
-            </a:prstGeom>
-            <a:noFill/>
-          </p:spPr>
-          <p:txBody>
-            <a:bodyPr wrap="square" rtlCol="0">
-              <a:spAutoFit/>
-            </a:bodyPr>
-            <a:lstStyle/>
-            <a:p>
-              <a:pPr algn="ctr"/>
-              <a:r>
-                <a:rPr lang="fr-FR" dirty="0" smtClean="0"/>
-                <a:t>Spécificités</a:t>
-              </a:r>
-              <a:endParaRPr lang="fr-FR" dirty="0"/>
-            </a:p>
-          </p:txBody>
-        </p:sp>
-      </p:grpSp>
-      <p:pic>
-        <p:nvPicPr>
-          <p:cNvPr id="1034" name="Picture 10" descr="Résultat de recherche d'images pour &quot;logo pg admin&quot;"/>
-          <p:cNvPicPr>
-            <a:picLocks noChangeAspect="1" noChangeArrowheads="1"/>
-          </p:cNvPicPr>
-          <p:nvPr/>
-        </p:nvPicPr>
-        <p:blipFill>
-          <a:blip r:embed="rId9" cstate="print">
-            <a:extLst>
-              <a:ext uri="{28A0092B-C50C-407E-A947-70E740481C1C}">
-                <a14:useLocalDpi xmlns:a14="http://schemas.microsoft.com/office/drawing/2010/main" val="0"/>
-              </a:ext>
-            </a:extLst>
-          </a:blip>
-          <a:srcRect/>
-          <a:stretch>
-            <a:fillRect/>
-          </a:stretch>
-        </p:blipFill>
-        <p:spPr bwMode="auto">
-          <a:xfrm>
-            <a:off x="10441145" y="3832196"/>
-            <a:ext cx="433550" cy="447279"/>
-          </a:xfrm>
-          <a:prstGeom prst="rect">
-            <a:avLst/>
-          </a:prstGeom>
-          <a:noFill/>
-          <a:extLst>
-            <a:ext uri="{909E8E84-426E-40DD-AFC4-6F175D3DCCD1}">
-              <a14:hiddenFill xmlns:a14="http://schemas.microsoft.com/office/drawing/2010/main">
-                <a:solidFill>
-                  <a:srgbClr val="FFFFFF"/>
-                </a:solidFill>
-              </a14:hiddenFill>
-            </a:ext>
-          </a:extLst>
-        </p:spPr>
-      </p:pic>
-      <p:pic>
-        <p:nvPicPr>
-          <p:cNvPr id="17" name="Image 16"/>
-          <p:cNvPicPr>
-            <a:picLocks noChangeAspect="1"/>
-          </p:cNvPicPr>
-          <p:nvPr/>
-        </p:nvPicPr>
-        <p:blipFill rotWithShape="1">
-          <a:blip r:embed="rId10" cstate="print">
-            <a:extLst>
-              <a:ext uri="{28A0092B-C50C-407E-A947-70E740481C1C}">
-                <a14:useLocalDpi xmlns:a14="http://schemas.microsoft.com/office/drawing/2010/main" val="0"/>
-              </a:ext>
-            </a:extLst>
-          </a:blip>
-          <a:srcRect b="13989"/>
-          <a:stretch/>
-        </p:blipFill>
-        <p:spPr>
-          <a:xfrm>
-            <a:off x="6994120" y="3314487"/>
-            <a:ext cx="715802" cy="615668"/>
+        <p:spPr>
+          <a:xfrm>
+            <a:off x="8441221" y="3443837"/>
+            <a:ext cx="1944905" cy="1682884"/>
           </a:xfrm>
           <a:prstGeom prst="rect">
             <a:avLst/>
@@ -7665,7 +8237,7 @@
           <p:nvPr/>
         </p:nvPicPr>
         <p:blipFill>
-          <a:blip r:embed="rId2" cstate="print">
+          <a:blip r:embed="rId3" cstate="print">
             <a:extLst>
               <a:ext uri="{28A0092B-C50C-407E-A947-70E740481C1C}">
                 <a14:useLocalDpi xmlns:a14="http://schemas.microsoft.com/office/drawing/2010/main" val="0"/>
@@ -7733,9 +8305,9 @@
         </p:nvGrpSpPr>
         <p:grpSpPr>
           <a:xfrm>
-            <a:off x="5366146" y="906623"/>
+            <a:off x="5366146" y="906107"/>
             <a:ext cx="1450181" cy="1227228"/>
-            <a:chOff x="4079081" y="3072561"/>
+            <a:chOff x="2621756" y="3072561"/>
             <a:chExt cx="1450181" cy="1227228"/>
           </a:xfrm>
         </p:grpSpPr>
@@ -7748,7 +8320,567 @@
             <p:nvPr/>
           </p:nvPicPr>
           <p:blipFill rotWithShape="1">
-            <a:blip r:embed="rId3" cstate="print">
+            <a:blip r:embed="rId4" cstate="print">
+              <a:extLst>
+                <a:ext uri="{28A0092B-C50C-407E-A947-70E740481C1C}">
+                  <a14:useLocalDpi xmlns:a14="http://schemas.microsoft.com/office/drawing/2010/main" val="0"/>
+                </a:ext>
+              </a:extLst>
+            </a:blip>
+            <a:srcRect b="14028"/>
+            <a:stretch/>
+          </p:blipFill>
+          <p:spPr>
+            <a:xfrm>
+              <a:off x="3100387" y="3247094"/>
+              <a:ext cx="500063" cy="429915"/>
+            </a:xfrm>
+            <a:prstGeom prst="rect">
+              <a:avLst/>
+            </a:prstGeom>
+          </p:spPr>
+        </p:pic>
+        <p:sp>
+          <p:nvSpPr>
+            <p:cNvPr id="10" name="ZoneTexte 9"/>
+            <p:cNvSpPr txBox="1"/>
+            <p:nvPr/>
+          </p:nvSpPr>
+          <p:spPr>
+            <a:xfrm>
+              <a:off x="2824162" y="3853534"/>
+              <a:ext cx="1047750" cy="369332"/>
+            </a:xfrm>
+            <a:prstGeom prst="rect">
+              <a:avLst/>
+            </a:prstGeom>
+            <a:noFill/>
+          </p:spPr>
+          <p:txBody>
+            <a:bodyPr wrap="square" rtlCol="0">
+              <a:spAutoFit/>
+            </a:bodyPr>
+            <a:lstStyle/>
+            <a:p>
+              <a:pPr algn="ctr"/>
+              <a:r>
+                <a:rPr lang="fr-FR" dirty="0" smtClean="0"/>
+                <a:t>Contexte</a:t>
+              </a:r>
+              <a:endParaRPr lang="fr-FR" dirty="0"/>
+            </a:p>
+          </p:txBody>
+        </p:sp>
+        <p:sp>
+          <p:nvSpPr>
+            <p:cNvPr id="11" name="Rectangle 10"/>
+            <p:cNvSpPr/>
+            <p:nvPr/>
+          </p:nvSpPr>
+          <p:spPr>
+            <a:xfrm>
+              <a:off x="2621756" y="3072561"/>
+              <a:ext cx="1450181" cy="1227228"/>
+            </a:xfrm>
+            <a:prstGeom prst="rect">
+              <a:avLst/>
+            </a:prstGeom>
+            <a:noFill/>
+            <a:ln>
+              <a:solidFill>
+                <a:srgbClr val="414141"/>
+              </a:solidFill>
+            </a:ln>
+          </p:spPr>
+          <p:style>
+            <a:lnRef idx="2">
+              <a:schemeClr val="accent1">
+                <a:shade val="50000"/>
+              </a:schemeClr>
+            </a:lnRef>
+            <a:fillRef idx="1">
+              <a:schemeClr val="accent1"/>
+            </a:fillRef>
+            <a:effectRef idx="0">
+              <a:schemeClr val="accent1"/>
+            </a:effectRef>
+            <a:fontRef idx="minor">
+              <a:schemeClr val="lt1"/>
+            </a:fontRef>
+          </p:style>
+          <p:txBody>
+            <a:bodyPr rtlCol="0" anchor="ctr"/>
+            <a:lstStyle/>
+            <a:p>
+              <a:pPr algn="ctr"/>
+              <a:endParaRPr lang="fr-FR"/>
+            </a:p>
+          </p:txBody>
+        </p:sp>
+      </p:grpSp>
+      <p:grpSp>
+        <p:nvGrpSpPr>
+          <p:cNvPr id="18" name="Groupe 17"/>
+          <p:cNvGrpSpPr/>
+          <p:nvPr/>
+        </p:nvGrpSpPr>
+        <p:grpSpPr>
+          <a:xfrm>
+            <a:off x="2171702" y="2933912"/>
+            <a:ext cx="2400926" cy="1872543"/>
+            <a:chOff x="3495676" y="3351814"/>
+            <a:chExt cx="1333372" cy="1068441"/>
+          </a:xfrm>
+        </p:grpSpPr>
+        <p:pic>
+          <p:nvPicPr>
+            <p:cNvPr id="16" name="Image 15"/>
+            <p:cNvPicPr>
+              <a:picLocks noChangeAspect="1"/>
+            </p:cNvPicPr>
+            <p:nvPr/>
+          </p:nvPicPr>
+          <p:blipFill rotWithShape="1">
+            <a:blip r:embed="rId5" cstate="print">
+              <a:extLst>
+                <a:ext uri="{28A0092B-C50C-407E-A947-70E740481C1C}">
+                  <a14:useLocalDpi xmlns:a14="http://schemas.microsoft.com/office/drawing/2010/main" val="0"/>
+                </a:ext>
+              </a:extLst>
+            </a:blip>
+            <a:srcRect b="13738"/>
+            <a:stretch/>
+          </p:blipFill>
+          <p:spPr>
+            <a:xfrm>
+              <a:off x="3715302" y="3648973"/>
+              <a:ext cx="894119" cy="771282"/>
+            </a:xfrm>
+            <a:prstGeom prst="rect">
+              <a:avLst/>
+            </a:prstGeom>
+          </p:spPr>
+        </p:pic>
+        <p:sp>
+          <p:nvSpPr>
+            <p:cNvPr id="20" name="ZoneTexte 19"/>
+            <p:cNvSpPr txBox="1"/>
+            <p:nvPr/>
+          </p:nvSpPr>
+          <p:spPr>
+            <a:xfrm>
+              <a:off x="3495676" y="3351814"/>
+              <a:ext cx="1333372" cy="369332"/>
+            </a:xfrm>
+            <a:prstGeom prst="rect">
+              <a:avLst/>
+            </a:prstGeom>
+            <a:noFill/>
+          </p:spPr>
+          <p:txBody>
+            <a:bodyPr wrap="square" rtlCol="0">
+              <a:spAutoFit/>
+            </a:bodyPr>
+            <a:lstStyle/>
+            <a:p>
+              <a:pPr algn="ctr"/>
+              <a:r>
+                <a:rPr lang="fr-FR" dirty="0" smtClean="0"/>
+                <a:t>Spécificités</a:t>
+              </a:r>
+              <a:endParaRPr lang="fr-FR" dirty="0"/>
+            </a:p>
+          </p:txBody>
+        </p:sp>
+      </p:grpSp>
+      <p:grpSp>
+        <p:nvGrpSpPr>
+          <p:cNvPr id="4" name="Groupe 3"/>
+          <p:cNvGrpSpPr/>
+          <p:nvPr/>
+        </p:nvGrpSpPr>
+        <p:grpSpPr>
+          <a:xfrm>
+            <a:off x="8100030" y="2932712"/>
+            <a:ext cx="1767870" cy="1873743"/>
+            <a:chOff x="7395180" y="2932712"/>
+            <a:chExt cx="1767870" cy="1873743"/>
+          </a:xfrm>
+        </p:grpSpPr>
+        <p:sp>
+          <p:nvSpPr>
+            <p:cNvPr id="14" name="ZoneTexte 13"/>
+            <p:cNvSpPr txBox="1"/>
+            <p:nvPr/>
+          </p:nvSpPr>
+          <p:spPr>
+            <a:xfrm>
+              <a:off x="7395180" y="2932712"/>
+              <a:ext cx="1767870" cy="369332"/>
+            </a:xfrm>
+            <a:prstGeom prst="rect">
+              <a:avLst/>
+            </a:prstGeom>
+            <a:noFill/>
+          </p:spPr>
+          <p:txBody>
+            <a:bodyPr wrap="square" rtlCol="0">
+              <a:spAutoFit/>
+            </a:bodyPr>
+            <a:lstStyle/>
+            <a:p>
+              <a:pPr algn="ctr"/>
+              <a:r>
+                <a:rPr lang="fr-FR" dirty="0" smtClean="0"/>
+                <a:t>Product </a:t>
+              </a:r>
+              <a:r>
+                <a:rPr lang="fr-FR" dirty="0" err="1" smtClean="0"/>
+                <a:t>Backlog</a:t>
+              </a:r>
+              <a:endParaRPr lang="fr-FR" dirty="0"/>
+            </a:p>
+          </p:txBody>
+        </p:sp>
+        <p:pic>
+          <p:nvPicPr>
+            <p:cNvPr id="17" name="Image 16"/>
+            <p:cNvPicPr>
+              <a:picLocks noChangeAspect="1"/>
+            </p:cNvPicPr>
+            <p:nvPr/>
+          </p:nvPicPr>
+          <p:blipFill rotWithShape="1">
+            <a:blip r:embed="rId6" cstate="print">
+              <a:extLst>
+                <a:ext uri="{28A0092B-C50C-407E-A947-70E740481C1C}">
+                  <a14:useLocalDpi xmlns:a14="http://schemas.microsoft.com/office/drawing/2010/main" val="0"/>
+                </a:ext>
+              </a:extLst>
+            </a:blip>
+            <a:srcRect b="13989"/>
+            <a:stretch/>
+          </p:blipFill>
+          <p:spPr>
+            <a:xfrm>
+              <a:off x="7565620" y="3432491"/>
+              <a:ext cx="1597430" cy="1373964"/>
+            </a:xfrm>
+            <a:prstGeom prst="rect">
+              <a:avLst/>
+            </a:prstGeom>
+          </p:spPr>
+        </p:pic>
+      </p:grpSp>
+      <p:sp>
+        <p:nvSpPr>
+          <p:cNvPr id="19" name="Flèche droite 18"/>
+          <p:cNvSpPr/>
+          <p:nvPr/>
+        </p:nvSpPr>
+        <p:spPr>
+          <a:xfrm>
+            <a:off x="5010148" y="3540614"/>
+            <a:ext cx="2162175" cy="943174"/>
+          </a:xfrm>
+          <a:prstGeom prst="rightArrow">
+            <a:avLst/>
+          </a:prstGeom>
+          <a:solidFill>
+            <a:srgbClr val="414141"/>
+          </a:solidFill>
+          <a:ln>
+            <a:solidFill>
+              <a:srgbClr val="414141"/>
+            </a:solidFill>
+          </a:ln>
+        </p:spPr>
+        <p:style>
+          <a:lnRef idx="2">
+            <a:schemeClr val="accent1">
+              <a:shade val="50000"/>
+            </a:schemeClr>
+          </a:lnRef>
+          <a:fillRef idx="1">
+            <a:schemeClr val="accent1"/>
+          </a:fillRef>
+          <a:effectRef idx="0">
+            <a:schemeClr val="accent1"/>
+          </a:effectRef>
+          <a:fontRef idx="minor">
+            <a:schemeClr val="lt1"/>
+          </a:fontRef>
+        </p:style>
+        <p:txBody>
+          <a:bodyPr rtlCol="0" anchor="ctr"/>
+          <a:lstStyle/>
+          <a:p>
+            <a:pPr algn="ctr"/>
+            <a:endParaRPr lang="fr-FR"/>
+          </a:p>
+        </p:txBody>
+      </p:sp>
+    </p:spTree>
+    <p:extLst>
+      <p:ext uri="{BB962C8B-B14F-4D97-AF65-F5344CB8AC3E}">
+        <p14:creationId xmlns:p14="http://schemas.microsoft.com/office/powerpoint/2010/main" val="1167270362"/>
+      </p:ext>
+    </p:extLst>
+  </p:cSld>
+  <p:clrMapOvr>
+    <a:masterClrMapping/>
+  </p:clrMapOvr>
+  <p:timing>
+    <p:tnLst>
+      <p:par>
+        <p:cTn id="1" dur="indefinite" restart="never" nodeType="tmRoot"/>
+      </p:par>
+    </p:tnLst>
+  </p:timing>
+</p:sld>
+</file>
+
+<file path=ppt/slides/slide6.xml><?xml version="1.0" encoding="utf-8"?>
+<p:sld xmlns:a="http://schemas.openxmlformats.org/drawingml/2006/main" xmlns:r="http://schemas.openxmlformats.org/officeDocument/2006/relationships" xmlns:p="http://schemas.openxmlformats.org/presentationml/2006/main">
+  <p:cSld>
+    <p:spTree>
+      <p:nvGrpSpPr>
+        <p:cNvPr id="1" name=""/>
+        <p:cNvGrpSpPr/>
+        <p:nvPr/>
+      </p:nvGrpSpPr>
+      <p:grpSpPr>
+        <a:xfrm>
+          <a:off x="0" y="0"/>
+          <a:ext cx="0" cy="0"/>
+          <a:chOff x="0" y="0"/>
+          <a:chExt cx="0" cy="0"/>
+        </a:xfrm>
+      </p:grpSpPr>
+      <p:sp>
+        <p:nvSpPr>
+          <p:cNvPr id="6" name="AutoShape 2" descr="Résultat de recherche d'images pour &quot;DEODIS&quot;"/>
+          <p:cNvSpPr>
+            <a:spLocks noChangeAspect="1" noChangeArrowheads="1"/>
+          </p:cNvSpPr>
+          <p:nvPr/>
+        </p:nvSpPr>
+        <p:spPr bwMode="auto">
+          <a:xfrm>
+            <a:off x="155575" y="-144463"/>
+            <a:ext cx="304800" cy="304801"/>
+          </a:xfrm>
+          <a:prstGeom prst="rect">
+            <a:avLst/>
+          </a:prstGeom>
+          <a:noFill/>
+          <a:extLst>
+            <a:ext uri="{909E8E84-426E-40DD-AFC4-6F175D3DCCD1}">
+              <a14:hiddenFill xmlns:a14="http://schemas.microsoft.com/office/drawing/2010/main">
+                <a:solidFill>
+                  <a:srgbClr val="FFFFFF"/>
+                </a:solidFill>
+              </a14:hiddenFill>
+            </a:ext>
+          </a:extLst>
+        </p:spPr>
+        <p:txBody>
+          <a:bodyPr vert="horz" wrap="square" lIns="91440" tIns="45720" rIns="91440" bIns="45720" numCol="1" anchor="t" anchorCtr="0" compatLnSpc="1">
+            <a:prstTxWarp prst="textNoShape">
+              <a:avLst/>
+            </a:prstTxWarp>
+          </a:bodyPr>
+          <a:lstStyle/>
+          <a:p>
+            <a:endParaRPr lang="fr-FR"/>
+          </a:p>
+        </p:txBody>
+      </p:sp>
+      <p:sp>
+        <p:nvSpPr>
+          <p:cNvPr id="7" name="Rectangle 6"/>
+          <p:cNvSpPr/>
+          <p:nvPr/>
+        </p:nvSpPr>
+        <p:spPr>
+          <a:xfrm>
+            <a:off x="0" y="6213734"/>
+            <a:ext cx="12192000" cy="643467"/>
+          </a:xfrm>
+          <a:prstGeom prst="rect">
+            <a:avLst/>
+          </a:prstGeom>
+          <a:solidFill>
+            <a:srgbClr val="414141"/>
+          </a:solidFill>
+          <a:ln>
+            <a:noFill/>
+          </a:ln>
+        </p:spPr>
+        <p:style>
+          <a:lnRef idx="2">
+            <a:schemeClr val="accent1">
+              <a:shade val="50000"/>
+            </a:schemeClr>
+          </a:lnRef>
+          <a:fillRef idx="1">
+            <a:schemeClr val="accent1"/>
+          </a:fillRef>
+          <a:effectRef idx="0">
+            <a:schemeClr val="accent1"/>
+          </a:effectRef>
+          <a:fontRef idx="minor">
+            <a:schemeClr val="lt1"/>
+          </a:fontRef>
+        </p:style>
+        <p:txBody>
+          <a:bodyPr rtlCol="0" anchor="ctr"/>
+          <a:lstStyle/>
+          <a:p>
+            <a:pPr algn="ctr"/>
+            <a:endParaRPr lang="fr-FR"/>
+          </a:p>
+        </p:txBody>
+      </p:sp>
+      <p:sp>
+        <p:nvSpPr>
+          <p:cNvPr id="2" name="Rectangle 1"/>
+          <p:cNvSpPr/>
+          <p:nvPr/>
+        </p:nvSpPr>
+        <p:spPr>
+          <a:xfrm>
+            <a:off x="0" y="0"/>
+            <a:ext cx="12192000" cy="643467"/>
+          </a:xfrm>
+          <a:prstGeom prst="rect">
+            <a:avLst/>
+          </a:prstGeom>
+          <a:solidFill>
+            <a:srgbClr val="414141"/>
+          </a:solidFill>
+          <a:ln>
+            <a:noFill/>
+          </a:ln>
+        </p:spPr>
+        <p:style>
+          <a:lnRef idx="2">
+            <a:schemeClr val="accent1">
+              <a:shade val="50000"/>
+            </a:schemeClr>
+          </a:lnRef>
+          <a:fillRef idx="1">
+            <a:schemeClr val="accent1"/>
+          </a:fillRef>
+          <a:effectRef idx="0">
+            <a:schemeClr val="accent1"/>
+          </a:effectRef>
+          <a:fontRef idx="minor">
+            <a:schemeClr val="lt1"/>
+          </a:fontRef>
+        </p:style>
+        <p:txBody>
+          <a:bodyPr rtlCol="0" anchor="ctr"/>
+          <a:lstStyle/>
+          <a:p>
+            <a:pPr algn="ctr"/>
+            <a:endParaRPr lang="fr-FR"/>
+          </a:p>
+        </p:txBody>
+      </p:sp>
+      <p:pic>
+        <p:nvPicPr>
+          <p:cNvPr id="3" name="Image 2"/>
+          <p:cNvPicPr>
+            <a:picLocks noChangeAspect="1"/>
+          </p:cNvPicPr>
+          <p:nvPr/>
+        </p:nvPicPr>
+        <p:blipFill>
+          <a:blip r:embed="rId3" cstate="print">
+            <a:extLst>
+              <a:ext uri="{28A0092B-C50C-407E-A947-70E740481C1C}">
+                <a14:useLocalDpi xmlns:a14="http://schemas.microsoft.com/office/drawing/2010/main" val="0"/>
+              </a:ext>
+            </a:extLst>
+          </a:blip>
+          <a:stretch>
+            <a:fillRect/>
+          </a:stretch>
+        </p:blipFill>
+        <p:spPr>
+          <a:xfrm>
+            <a:off x="307975" y="-52984"/>
+            <a:ext cx="749433" cy="749433"/>
+          </a:xfrm>
+          <a:prstGeom prst="rect">
+            <a:avLst/>
+          </a:prstGeom>
+        </p:spPr>
+      </p:pic>
+      <p:sp>
+        <p:nvSpPr>
+          <p:cNvPr id="5" name="ZoneTexte 4"/>
+          <p:cNvSpPr txBox="1"/>
+          <p:nvPr/>
+        </p:nvSpPr>
+        <p:spPr>
+          <a:xfrm>
+            <a:off x="4433887" y="6404662"/>
+            <a:ext cx="3314700" cy="261610"/>
+          </a:xfrm>
+          <a:prstGeom prst="rect">
+            <a:avLst/>
+          </a:prstGeom>
+          <a:noFill/>
+        </p:spPr>
+        <p:txBody>
+          <a:bodyPr wrap="square" rtlCol="0">
+            <a:spAutoFit/>
+          </a:bodyPr>
+          <a:lstStyle/>
+          <a:p>
+            <a:pPr algn="ctr"/>
+            <a:r>
+              <a:rPr lang="it-IT" sz="1050" dirty="0">
+                <a:solidFill>
+                  <a:schemeClr val="bg1"/>
+                </a:solidFill>
+              </a:rPr>
+              <a:t>© 2019-2020 AJC Ingenierie - SOPRA - Team Artinuaire</a:t>
+            </a:r>
+            <a:endParaRPr lang="fr-FR" sz="1050" dirty="0">
+              <a:solidFill>
+                <a:schemeClr val="bg1"/>
+              </a:solidFill>
+            </a:endParaRPr>
+          </a:p>
+        </p:txBody>
+      </p:sp>
+      <p:grpSp>
+        <p:nvGrpSpPr>
+          <p:cNvPr id="8" name="Groupe 7"/>
+          <p:cNvGrpSpPr/>
+          <p:nvPr/>
+        </p:nvGrpSpPr>
+        <p:grpSpPr>
+          <a:xfrm>
+            <a:off x="5366146" y="679710"/>
+            <a:ext cx="1140619" cy="994652"/>
+            <a:chOff x="4079081" y="3072561"/>
+            <a:chExt cx="1450181" cy="1227228"/>
+          </a:xfrm>
+        </p:grpSpPr>
+        <p:pic>
+          <p:nvPicPr>
+            <p:cNvPr id="9" name="Image 8"/>
+            <p:cNvPicPr>
+              <a:picLocks noChangeAspect="1"/>
+            </p:cNvPicPr>
+            <p:nvPr/>
+          </p:nvPicPr>
+          <p:blipFill rotWithShape="1">
+            <a:blip r:embed="rId4" cstate="print">
               <a:extLst>
                 <a:ext uri="{28A0092B-C50C-407E-A947-70E740481C1C}">
                   <a14:useLocalDpi xmlns:a14="http://schemas.microsoft.com/office/drawing/2010/main" val="0"/>
@@ -7777,7 +8909,7 @@
           <p:spPr>
             <a:xfrm>
               <a:off x="4114800" y="3853534"/>
-              <a:ext cx="1376360" cy="369332"/>
+              <a:ext cx="1376360" cy="341769"/>
             </a:xfrm>
             <a:prstGeom prst="rect">
               <a:avLst/>
@@ -7792,7 +8924,7 @@
             <a:p>
               <a:pPr algn="ctr"/>
               <a:r>
-                <a:rPr lang="fr-FR" dirty="0" smtClean="0"/>
+                <a:rPr lang="fr-FR" sz="1200" dirty="0" smtClean="0"/>
                 <a:t>Organisation</a:t>
               </a:r>
               <a:endParaRPr lang="fr-FR" dirty="0"/>
@@ -7846,10 +8978,153 @@
           </p:txBody>
         </p:sp>
       </p:grpSp>
+      <p:pic>
+        <p:nvPicPr>
+          <p:cNvPr id="1026" name="Picture 2" descr="Résultat de recherche d'images pour &quot;agile scrum&quot;"/>
+          <p:cNvPicPr>
+            <a:picLocks noChangeAspect="1" noChangeArrowheads="1"/>
+          </p:cNvPicPr>
+          <p:nvPr/>
+        </p:nvPicPr>
+        <p:blipFill>
+          <a:blip r:embed="rId5">
+            <a:extLst>
+              <a:ext uri="{28A0092B-C50C-407E-A947-70E740481C1C}">
+                <a14:useLocalDpi xmlns:a14="http://schemas.microsoft.com/office/drawing/2010/main" val="0"/>
+              </a:ext>
+            </a:extLst>
+          </a:blip>
+          <a:srcRect/>
+          <a:stretch>
+            <a:fillRect/>
+          </a:stretch>
+        </p:blipFill>
+        <p:spPr bwMode="auto">
+          <a:xfrm>
+            <a:off x="6606174" y="1926040"/>
+            <a:ext cx="5217320" cy="2524510"/>
+          </a:xfrm>
+          <a:prstGeom prst="rect">
+            <a:avLst/>
+          </a:prstGeom>
+          <a:noFill/>
+          <a:extLst>
+            <a:ext uri="{909E8E84-426E-40DD-AFC4-6F175D3DCCD1}">
+              <a14:hiddenFill xmlns:a14="http://schemas.microsoft.com/office/drawing/2010/main">
+                <a:solidFill>
+                  <a:srgbClr val="FFFFFF"/>
+                </a:solidFill>
+              </a14:hiddenFill>
+            </a:ext>
+          </a:extLst>
+        </p:spPr>
+      </p:pic>
+      <p:sp>
+        <p:nvSpPr>
+          <p:cNvPr id="4" name="ZoneTexte 3"/>
+          <p:cNvSpPr txBox="1"/>
+          <p:nvPr/>
+        </p:nvSpPr>
+        <p:spPr>
+          <a:xfrm>
+            <a:off x="7122017" y="4700209"/>
+            <a:ext cx="4185634" cy="1077218"/>
+          </a:xfrm>
+          <a:prstGeom prst="rect">
+            <a:avLst/>
+          </a:prstGeom>
+          <a:noFill/>
+        </p:spPr>
+        <p:txBody>
+          <a:bodyPr wrap="square" rtlCol="0">
+            <a:spAutoFit/>
+          </a:bodyPr>
+          <a:lstStyle/>
+          <a:p>
+            <a:pPr algn="ctr"/>
+            <a:r>
+              <a:rPr lang="fr-FR" sz="3200" b="1" dirty="0" smtClean="0"/>
+              <a:t>Répartition et gestion du temps</a:t>
+            </a:r>
+            <a:endParaRPr lang="fr-FR" sz="3200" b="1" dirty="0"/>
+          </a:p>
+        </p:txBody>
+      </p:sp>
+      <p:sp>
+        <p:nvSpPr>
+          <p:cNvPr id="12" name="ZoneTexte 11"/>
+          <p:cNvSpPr txBox="1"/>
+          <p:nvPr/>
+        </p:nvSpPr>
+        <p:spPr>
+          <a:xfrm>
+            <a:off x="782706" y="1695207"/>
+            <a:ext cx="4358521" cy="461665"/>
+          </a:xfrm>
+          <a:prstGeom prst="rect">
+            <a:avLst/>
+          </a:prstGeom>
+          <a:noFill/>
+        </p:spPr>
+        <p:txBody>
+          <a:bodyPr wrap="square" rtlCol="0">
+            <a:spAutoFit/>
+          </a:bodyPr>
+          <a:lstStyle/>
+          <a:p>
+            <a:r>
+              <a:rPr lang="fr-FR" sz="2400" b="1" dirty="0" smtClean="0"/>
+              <a:t>Élaboration de la liste des tâches</a:t>
+            </a:r>
+            <a:endParaRPr lang="fr-FR" sz="2400" b="1" dirty="0"/>
+          </a:p>
+        </p:txBody>
+      </p:sp>
+      <p:pic>
+        <p:nvPicPr>
+          <p:cNvPr id="1030" name="Picture 6" descr="Résultat de recherche d'images pour &quot;travail d'équipe&quot;"/>
+          <p:cNvPicPr>
+            <a:picLocks noChangeAspect="1" noChangeArrowheads="1"/>
+          </p:cNvPicPr>
+          <p:nvPr/>
+        </p:nvPicPr>
+        <p:blipFill>
+          <a:blip r:embed="rId6">
+            <a:extLst>
+              <a:ext uri="{28A0092B-C50C-407E-A947-70E740481C1C}">
+                <a14:useLocalDpi xmlns:a14="http://schemas.microsoft.com/office/drawing/2010/main" val="0"/>
+              </a:ext>
+            </a:extLst>
+          </a:blip>
+          <a:srcRect/>
+          <a:stretch>
+            <a:fillRect/>
+          </a:stretch>
+        </p:blipFill>
+        <p:spPr bwMode="auto">
+          <a:xfrm>
+            <a:off x="277236" y="2318112"/>
+            <a:ext cx="5369462" cy="3023008"/>
+          </a:xfrm>
+          <a:prstGeom prst="rect">
+            <a:avLst/>
+          </a:prstGeom>
+          <a:noFill/>
+          <a:extLst>
+            <a:ext uri="{909E8E84-426E-40DD-AFC4-6F175D3DCCD1}">
+              <a14:hiddenFill xmlns:a14="http://schemas.microsoft.com/office/drawing/2010/main">
+                <a:solidFill>
+                  <a:srgbClr val="FFFFFF"/>
+                </a:solidFill>
+              </a14:hiddenFill>
+            </a:ext>
+          </a:extLst>
+        </p:spPr>
+      </p:pic>
     </p:spTree>
     <p:extLst>
       <p:ext uri="{BB962C8B-B14F-4D97-AF65-F5344CB8AC3E}">
-        <p14:creationId xmlns:p14="http://schemas.microsoft.com/office/powerpoint/2010/main" val="2884665396"/>
+        <p14:creationId xmlns:p14="http://schemas.microsoft.com/office/powerpoint/2010/main" val="4197981128"/>
       </p:ext>
     </p:extLst>
   </p:cSld>
@@ -7866,7 +9141,7 @@
 </p:sld>
 </file>
 
-<file path=ppt/slides/slide6.xml><?xml version="1.0" encoding="utf-8"?>
+<file path=ppt/slides/slide7.xml><?xml version="1.0" encoding="utf-8"?>
 <p:sld xmlns:a="http://schemas.openxmlformats.org/drawingml/2006/main" xmlns:r="http://schemas.openxmlformats.org/officeDocument/2006/relationships" xmlns:p="http://schemas.openxmlformats.org/presentationml/2006/main">
   <p:cSld>
     <p:spTree>
@@ -8023,7 +9298,7 @@
           <p:nvPr/>
         </p:nvPicPr>
         <p:blipFill>
-          <a:blip r:embed="rId2" cstate="print">
+          <a:blip r:embed="rId3" cstate="print">
             <a:extLst>
               <a:ext uri="{28A0092B-C50C-407E-A947-70E740481C1C}">
                 <a14:useLocalDpi xmlns:a14="http://schemas.microsoft.com/office/drawing/2010/main" val="0"/>
@@ -8106,7 +9381,7 @@
             <p:nvPr/>
           </p:nvPicPr>
           <p:blipFill rotWithShape="1">
-            <a:blip r:embed="rId3" cstate="print">
+            <a:blip r:embed="rId4" cstate="print">
               <a:extLst>
                 <a:ext uri="{28A0092B-C50C-407E-A947-70E740481C1C}">
                   <a14:useLocalDpi xmlns:a14="http://schemas.microsoft.com/office/drawing/2010/main" val="0"/>
@@ -8204,6 +9479,332 @@
           </p:txBody>
         </p:sp>
       </p:grpSp>
+      <p:sp>
+        <p:nvSpPr>
+          <p:cNvPr id="12" name="ZoneTexte 11"/>
+          <p:cNvSpPr txBox="1"/>
+          <p:nvPr/>
+        </p:nvSpPr>
+        <p:spPr>
+          <a:xfrm>
+            <a:off x="2204086" y="2939966"/>
+            <a:ext cx="7752906" cy="369332"/>
+          </a:xfrm>
+          <a:prstGeom prst="rect">
+            <a:avLst/>
+          </a:prstGeom>
+          <a:noFill/>
+          <a:ln w="19050">
+            <a:solidFill>
+              <a:srgbClr val="414141"/>
+            </a:solidFill>
+          </a:ln>
+        </p:spPr>
+        <p:txBody>
+          <a:bodyPr wrap="square" rtlCol="0">
+            <a:spAutoFit/>
+          </a:bodyPr>
+          <a:lstStyle/>
+          <a:p>
+            <a:pPr algn="ctr"/>
+            <a:r>
+              <a:rPr lang="fr-FR" dirty="0" smtClean="0"/>
+              <a:t>Technologies</a:t>
+            </a:r>
+            <a:endParaRPr lang="fr-FR" dirty="0"/>
+          </a:p>
+        </p:txBody>
+      </p:sp>
+      <p:pic>
+        <p:nvPicPr>
+          <p:cNvPr id="13" name="Picture 2" descr="Résultat de recherche d'images pour &quot;logo javascript&quot;"/>
+          <p:cNvPicPr>
+            <a:picLocks noChangeAspect="1" noChangeArrowheads="1"/>
+          </p:cNvPicPr>
+          <p:nvPr/>
+        </p:nvPicPr>
+        <p:blipFill>
+          <a:blip r:embed="rId5" cstate="print">
+            <a:extLst>
+              <a:ext uri="{28A0092B-C50C-407E-A947-70E740481C1C}">
+                <a14:useLocalDpi xmlns:a14="http://schemas.microsoft.com/office/drawing/2010/main" val="0"/>
+              </a:ext>
+            </a:extLst>
+          </a:blip>
+          <a:srcRect/>
+          <a:stretch>
+            <a:fillRect/>
+          </a:stretch>
+        </p:blipFill>
+        <p:spPr bwMode="auto">
+          <a:xfrm>
+            <a:off x="2204085" y="3905917"/>
+            <a:ext cx="878406" cy="878406"/>
+          </a:xfrm>
+          <a:prstGeom prst="rect">
+            <a:avLst/>
+          </a:prstGeom>
+          <a:noFill/>
+          <a:extLst>
+            <a:ext uri="{909E8E84-426E-40DD-AFC4-6F175D3DCCD1}">
+              <a14:hiddenFill xmlns:a14="http://schemas.microsoft.com/office/drawing/2010/main">
+                <a:solidFill>
+                  <a:srgbClr val="FFFFFF"/>
+                </a:solidFill>
+              </a14:hiddenFill>
+            </a:ext>
+          </a:extLst>
+        </p:spPr>
+      </p:pic>
+      <p:pic>
+        <p:nvPicPr>
+          <p:cNvPr id="14" name="Picture 6" descr="Résultat de recherche d'images pour &quot;logo angular 4&quot;"/>
+          <p:cNvPicPr>
+            <a:picLocks noChangeAspect="1" noChangeArrowheads="1"/>
+          </p:cNvPicPr>
+          <p:nvPr/>
+        </p:nvPicPr>
+        <p:blipFill rotWithShape="1">
+          <a:blip r:embed="rId6" cstate="print">
+            <a:extLst>
+              <a:ext uri="{28A0092B-C50C-407E-A947-70E740481C1C}">
+                <a14:useLocalDpi xmlns:a14="http://schemas.microsoft.com/office/drawing/2010/main" val="0"/>
+              </a:ext>
+            </a:extLst>
+          </a:blip>
+          <a:srcRect l="24306" t="14007" r="24306" b="14007"/>
+          <a:stretch/>
+        </p:blipFill>
+        <p:spPr bwMode="auto">
+          <a:xfrm>
+            <a:off x="7136229" y="3762190"/>
+            <a:ext cx="1336018" cy="1091710"/>
+          </a:xfrm>
+          <a:prstGeom prst="rect">
+            <a:avLst/>
+          </a:prstGeom>
+          <a:noFill/>
+          <a:extLst>
+            <a:ext uri="{909E8E84-426E-40DD-AFC4-6F175D3DCCD1}">
+              <a14:hiddenFill xmlns:a14="http://schemas.microsoft.com/office/drawing/2010/main">
+                <a:solidFill>
+                  <a:srgbClr val="FFFFFF"/>
+                </a:solidFill>
+              </a14:hiddenFill>
+            </a:ext>
+          </a:extLst>
+        </p:spPr>
+      </p:pic>
+      <p:pic>
+        <p:nvPicPr>
+          <p:cNvPr id="15" name="Picture 8" descr="Résultat de recherche d'images pour &quot;logo spring boot&quot;"/>
+          <p:cNvPicPr>
+            <a:picLocks noChangeAspect="1" noChangeArrowheads="1"/>
+          </p:cNvPicPr>
+          <p:nvPr/>
+        </p:nvPicPr>
+        <p:blipFill rotWithShape="1">
+          <a:blip r:embed="rId7" cstate="print">
+            <a:extLst>
+              <a:ext uri="{28A0092B-C50C-407E-A947-70E740481C1C}">
+                <a14:useLocalDpi xmlns:a14="http://schemas.microsoft.com/office/drawing/2010/main" val="0"/>
+              </a:ext>
+            </a:extLst>
+          </a:blip>
+          <a:srcRect l="30868" t="14864" r="30868" b="14864"/>
+          <a:stretch/>
+        </p:blipFill>
+        <p:spPr bwMode="auto">
+          <a:xfrm flipV="1">
+            <a:off x="3669302" y="3739639"/>
+            <a:ext cx="1188494" cy="1136812"/>
+          </a:xfrm>
+          <a:prstGeom prst="rect">
+            <a:avLst/>
+          </a:prstGeom>
+          <a:noFill/>
+          <a:extLst>
+            <a:ext uri="{909E8E84-426E-40DD-AFC4-6F175D3DCCD1}">
+              <a14:hiddenFill xmlns:a14="http://schemas.microsoft.com/office/drawing/2010/main">
+                <a:solidFill>
+                  <a:srgbClr val="FFFFFF"/>
+                </a:solidFill>
+              </a14:hiddenFill>
+            </a:ext>
+          </a:extLst>
+        </p:spPr>
+      </p:pic>
+      <p:pic>
+        <p:nvPicPr>
+          <p:cNvPr id="16" name="Picture 10" descr="Résultat de recherche d'images pour &quot;logo pg admin&quot;"/>
+          <p:cNvPicPr>
+            <a:picLocks noChangeAspect="1" noChangeArrowheads="1"/>
+          </p:cNvPicPr>
+          <p:nvPr/>
+        </p:nvPicPr>
+        <p:blipFill>
+          <a:blip r:embed="rId8" cstate="print">
+            <a:extLst>
+              <a:ext uri="{28A0092B-C50C-407E-A947-70E740481C1C}">
+                <a14:useLocalDpi xmlns:a14="http://schemas.microsoft.com/office/drawing/2010/main" val="0"/>
+              </a:ext>
+            </a:extLst>
+          </a:blip>
+          <a:srcRect/>
+          <a:stretch>
+            <a:fillRect/>
+          </a:stretch>
+        </p:blipFill>
+        <p:spPr bwMode="auto">
+          <a:xfrm>
+            <a:off x="5612052" y="3888731"/>
+            <a:ext cx="958620" cy="988978"/>
+          </a:xfrm>
+          <a:prstGeom prst="rect">
+            <a:avLst/>
+          </a:prstGeom>
+          <a:noFill/>
+          <a:extLst>
+            <a:ext uri="{909E8E84-426E-40DD-AFC4-6F175D3DCCD1}">
+              <a14:hiddenFill xmlns:a14="http://schemas.microsoft.com/office/drawing/2010/main">
+                <a:solidFill>
+                  <a:srgbClr val="FFFFFF"/>
+                </a:solidFill>
+              </a14:hiddenFill>
+            </a:ext>
+          </a:extLst>
+        </p:spPr>
+      </p:pic>
+      <p:pic>
+        <p:nvPicPr>
+          <p:cNvPr id="17" name="Picture 4" descr="Résultat de recherche d'images pour &quot;logo json&quot;"/>
+          <p:cNvPicPr>
+            <a:picLocks noChangeAspect="1" noChangeArrowheads="1"/>
+          </p:cNvPicPr>
+          <p:nvPr/>
+        </p:nvPicPr>
+        <p:blipFill>
+          <a:blip r:embed="rId9" cstate="print">
+            <a:extLst>
+              <a:ext uri="{28A0092B-C50C-407E-A947-70E740481C1C}">
+                <a14:useLocalDpi xmlns:a14="http://schemas.microsoft.com/office/drawing/2010/main" val="0"/>
+              </a:ext>
+            </a:extLst>
+          </a:blip>
+          <a:srcRect/>
+          <a:stretch>
+            <a:fillRect/>
+          </a:stretch>
+        </p:blipFill>
+        <p:spPr bwMode="auto">
+          <a:xfrm>
+            <a:off x="8991787" y="3856315"/>
+            <a:ext cx="977609" cy="977609"/>
+          </a:xfrm>
+          <a:prstGeom prst="rect">
+            <a:avLst/>
+          </a:prstGeom>
+          <a:noFill/>
+          <a:extLst>
+            <a:ext uri="{909E8E84-426E-40DD-AFC4-6F175D3DCCD1}">
+              <a14:hiddenFill xmlns:a14="http://schemas.microsoft.com/office/drawing/2010/main">
+                <a:solidFill>
+                  <a:srgbClr val="FFFFFF"/>
+                </a:solidFill>
+              </a14:hiddenFill>
+            </a:ext>
+          </a:extLst>
+        </p:spPr>
+      </p:pic>
+      <p:sp>
+        <p:nvSpPr>
+          <p:cNvPr id="18" name="ZoneTexte 17"/>
+          <p:cNvSpPr txBox="1"/>
+          <p:nvPr/>
+        </p:nvSpPr>
+        <p:spPr>
+          <a:xfrm>
+            <a:off x="5391130" y="5355371"/>
+            <a:ext cx="1428785" cy="369332"/>
+          </a:xfrm>
+          <a:prstGeom prst="rect">
+            <a:avLst/>
+          </a:prstGeom>
+          <a:noFill/>
+        </p:spPr>
+        <p:txBody>
+          <a:bodyPr wrap="square" rtlCol="0">
+            <a:spAutoFit/>
+          </a:bodyPr>
+          <a:lstStyle/>
+          <a:p>
+            <a:pPr algn="ctr"/>
+            <a:r>
+              <a:rPr lang="fr-FR" dirty="0" smtClean="0"/>
+              <a:t>Interactions</a:t>
+            </a:r>
+            <a:endParaRPr lang="fr-FR" dirty="0"/>
+          </a:p>
+        </p:txBody>
+      </p:sp>
+      <p:pic>
+        <p:nvPicPr>
+          <p:cNvPr id="19" name="Image 18"/>
+          <p:cNvPicPr>
+            <a:picLocks noChangeAspect="1"/>
+          </p:cNvPicPr>
+          <p:nvPr/>
+        </p:nvPicPr>
+        <p:blipFill rotWithShape="1">
+          <a:blip r:embed="rId10" cstate="print">
+            <a:extLst>
+              <a:ext uri="{28A0092B-C50C-407E-A947-70E740481C1C}">
+                <a14:useLocalDpi xmlns:a14="http://schemas.microsoft.com/office/drawing/2010/main" val="0"/>
+              </a:ext>
+            </a:extLst>
+          </a:blip>
+          <a:srcRect b="15570"/>
+          <a:stretch/>
+        </p:blipFill>
+        <p:spPr>
+          <a:xfrm>
+            <a:off x="4729220" y="5365482"/>
+            <a:ext cx="420231" cy="354801"/>
+          </a:xfrm>
+          <a:prstGeom prst="rect">
+            <a:avLst/>
+          </a:prstGeom>
+        </p:spPr>
+      </p:pic>
+      <p:pic>
+        <p:nvPicPr>
+          <p:cNvPr id="20" name="Image 19"/>
+          <p:cNvPicPr>
+            <a:picLocks noChangeAspect="1"/>
+          </p:cNvPicPr>
+          <p:nvPr/>
+        </p:nvPicPr>
+        <p:blipFill rotWithShape="1">
+          <a:blip r:embed="rId10" cstate="print">
+            <a:extLst>
+              <a:ext uri="{28A0092B-C50C-407E-A947-70E740481C1C}">
+                <a14:useLocalDpi xmlns:a14="http://schemas.microsoft.com/office/drawing/2010/main" val="0"/>
+              </a:ext>
+            </a:extLst>
+          </a:blip>
+          <a:srcRect b="15570"/>
+          <a:stretch/>
+        </p:blipFill>
+        <p:spPr>
+          <a:xfrm>
+            <a:off x="7061594" y="5365482"/>
+            <a:ext cx="420231" cy="354801"/>
+          </a:xfrm>
+          <a:prstGeom prst="rect">
+            <a:avLst/>
+          </a:prstGeom>
+        </p:spPr>
+      </p:pic>
     </p:spTree>
     <p:extLst>
       <p:ext uri="{BB962C8B-B14F-4D97-AF65-F5344CB8AC3E}">
@@ -8224,7 +9825,7 @@
 </p:sld>
 </file>
 
-<file path=ppt/slides/slide7.xml><?xml version="1.0" encoding="utf-8"?>
+<file path=ppt/slides/slide8.xml><?xml version="1.0" encoding="utf-8"?>
 <p:sld xmlns:a="http://schemas.openxmlformats.org/drawingml/2006/main" xmlns:r="http://schemas.openxmlformats.org/officeDocument/2006/relationships" xmlns:p="http://schemas.openxmlformats.org/presentationml/2006/main">
   <p:cSld>
     <p:spTree>
@@ -8607,7 +10208,7 @@
 </p:sld>
 </file>
 
-<file path=ppt/slides/slide8.xml><?xml version="1.0" encoding="utf-8"?>
+<file path=ppt/slides/slide9.xml><?xml version="1.0" encoding="utf-8"?>
 <p:sld xmlns:a="http://schemas.openxmlformats.org/drawingml/2006/main" xmlns:r="http://schemas.openxmlformats.org/officeDocument/2006/relationships" xmlns:p="http://schemas.openxmlformats.org/presentationml/2006/main">
   <p:cSld>
     <p:spTree>
@@ -8945,101 +10546,27 @@
           </p:txBody>
         </p:sp>
       </p:grpSp>
-    </p:spTree>
-    <p:extLst>
-      <p:ext uri="{BB962C8B-B14F-4D97-AF65-F5344CB8AC3E}">
-        <p14:creationId xmlns:p14="http://schemas.microsoft.com/office/powerpoint/2010/main" val="359963604"/>
-      </p:ext>
-    </p:extLst>
-  </p:cSld>
-  <p:clrMapOvr>
-    <a:masterClrMapping/>
-  </p:clrMapOvr>
-  <p:timing>
-    <p:tnLst>
-      <p:par>
-        <p:cTn id="1" dur="indefinite" restart="never" nodeType="tmRoot"/>
-      </p:par>
-    </p:tnLst>
-  </p:timing>
-</p:sld>
-</file>
-
-<file path=ppt/slides/slide9.xml><?xml version="1.0" encoding="utf-8"?>
-<p:sld xmlns:a="http://schemas.openxmlformats.org/drawingml/2006/main" xmlns:r="http://schemas.openxmlformats.org/officeDocument/2006/relationships" xmlns:p="http://schemas.openxmlformats.org/presentationml/2006/main">
-  <p:cSld>
-    <p:spTree>
-      <p:nvGrpSpPr>
-        <p:cNvPr id="1" name=""/>
-        <p:cNvGrpSpPr/>
-        <p:nvPr/>
-      </p:nvGrpSpPr>
-      <p:grpSpPr>
-        <a:xfrm>
-          <a:off x="0" y="0"/>
-          <a:ext cx="0" cy="0"/>
-          <a:chOff x="0" y="0"/>
-          <a:chExt cx="0" cy="0"/>
-        </a:xfrm>
-      </p:grpSpPr>
-      <p:sp>
-        <p:nvSpPr>
-          <p:cNvPr id="6" name="AutoShape 2" descr="Résultat de recherche d'images pour &quot;DEODIS&quot;"/>
-          <p:cNvSpPr>
-            <a:spLocks noChangeAspect="1" noChangeArrowheads="1"/>
-          </p:cNvSpPr>
-          <p:nvPr/>
-        </p:nvSpPr>
-        <p:spPr bwMode="auto">
-          <a:xfrm>
-            <a:off x="155575" y="-144463"/>
-            <a:ext cx="304800" cy="304801"/>
-          </a:xfrm>
-          <a:prstGeom prst="rect">
-            <a:avLst/>
-          </a:prstGeom>
-          <a:noFill/>
-          <a:extLst>
-            <a:ext uri="{909E8E84-426E-40DD-AFC4-6F175D3DCCD1}">
-              <a14:hiddenFill xmlns:a14="http://schemas.microsoft.com/office/drawing/2010/main">
-                <a:solidFill>
-                  <a:srgbClr val="FFFFFF"/>
-                </a:solidFill>
-              </a14:hiddenFill>
-            </a:ext>
-          </a:extLst>
-        </p:spPr>
-        <p:txBody>
-          <a:bodyPr vert="horz" wrap="square" lIns="91440" tIns="45720" rIns="91440" bIns="45720" numCol="1" anchor="t" anchorCtr="0" compatLnSpc="1">
-            <a:prstTxWarp prst="textNoShape">
-              <a:avLst/>
-            </a:prstTxWarp>
-          </a:bodyPr>
-          <a:lstStyle/>
-          <a:p>
-            <a:endParaRPr lang="fr-FR"/>
-          </a:p>
-        </p:txBody>
-      </p:sp>
-      <p:sp>
-        <p:nvSpPr>
-          <p:cNvPr id="7" name="Rectangle 6"/>
+      <p:sp>
+        <p:nvSpPr>
+          <p:cNvPr id="12" name="Rectangle 11"/>
           <p:cNvSpPr/>
           <p:nvPr/>
         </p:nvSpPr>
         <p:spPr>
           <a:xfrm>
-            <a:off x="0" y="6213734"/>
-            <a:ext cx="12192000" cy="643467"/>
+            <a:off x="3244453" y="3742673"/>
+            <a:ext cx="1140220" cy="642656"/>
           </a:xfrm>
           <a:prstGeom prst="rect">
             <a:avLst/>
           </a:prstGeom>
           <a:solidFill>
-            <a:srgbClr val="414141"/>
+            <a:schemeClr val="bg1"/>
           </a:solidFill>
           <a:ln>
-            <a:noFill/>
+            <a:solidFill>
+              <a:srgbClr val="414141"/>
+            </a:solidFill>
           </a:ln>
         </p:spPr>
         <p:style>
@@ -9063,29 +10590,43 @@
           <a:lstStyle/>
           <a:p>
             <a:pPr algn="ctr"/>
-            <a:endParaRPr lang="fr-FR"/>
-          </a:p>
-        </p:txBody>
-      </p:sp>
-      <p:sp>
-        <p:nvSpPr>
-          <p:cNvPr id="2" name="Rectangle 1"/>
+            <a:r>
+              <a:rPr lang="fr-FR" dirty="0" smtClean="0">
+                <a:solidFill>
+                  <a:srgbClr val="414141"/>
+                </a:solidFill>
+              </a:rPr>
+              <a:t>Hubert</a:t>
+            </a:r>
+            <a:endParaRPr lang="fr-FR" dirty="0">
+              <a:solidFill>
+                <a:srgbClr val="414141"/>
+              </a:solidFill>
+            </a:endParaRPr>
+          </a:p>
+        </p:txBody>
+      </p:sp>
+      <p:sp>
+        <p:nvSpPr>
+          <p:cNvPr id="13" name="Rectangle 12"/>
           <p:cNvSpPr/>
           <p:nvPr/>
         </p:nvSpPr>
         <p:spPr>
           <a:xfrm>
-            <a:off x="0" y="0"/>
-            <a:ext cx="12192000" cy="643467"/>
+            <a:off x="4831953" y="3742673"/>
+            <a:ext cx="1140220" cy="642656"/>
           </a:xfrm>
           <a:prstGeom prst="rect">
             <a:avLst/>
           </a:prstGeom>
           <a:solidFill>
-            <a:srgbClr val="414141"/>
+            <a:schemeClr val="bg1"/>
           </a:solidFill>
           <a:ln>
-            <a:noFill/>
+            <a:solidFill>
+              <a:srgbClr val="414141"/>
+            </a:solidFill>
           </a:ln>
         </p:spPr>
         <p:style>
@@ -9109,169 +10650,262 @@
           <a:lstStyle/>
           <a:p>
             <a:pPr algn="ctr"/>
-            <a:endParaRPr lang="fr-FR"/>
+            <a:r>
+              <a:rPr lang="fr-FR" dirty="0" smtClean="0">
+                <a:solidFill>
+                  <a:srgbClr val="414141"/>
+                </a:solidFill>
+              </a:rPr>
+              <a:t>Charley</a:t>
+            </a:r>
+            <a:endParaRPr lang="fr-FR" dirty="0">
+              <a:solidFill>
+                <a:srgbClr val="414141"/>
+              </a:solidFill>
+            </a:endParaRPr>
+          </a:p>
+        </p:txBody>
+      </p:sp>
+      <p:sp>
+        <p:nvSpPr>
+          <p:cNvPr id="14" name="Rectangle 13"/>
+          <p:cNvSpPr/>
+          <p:nvPr/>
+        </p:nvSpPr>
+        <p:spPr>
+          <a:xfrm>
+            <a:off x="6330750" y="3741496"/>
+            <a:ext cx="1140220" cy="642656"/>
+          </a:xfrm>
+          <a:prstGeom prst="rect">
+            <a:avLst/>
+          </a:prstGeom>
+          <a:solidFill>
+            <a:schemeClr val="bg1"/>
+          </a:solidFill>
+          <a:ln>
+            <a:solidFill>
+              <a:srgbClr val="414141"/>
+            </a:solidFill>
+          </a:ln>
+        </p:spPr>
+        <p:style>
+          <a:lnRef idx="2">
+            <a:schemeClr val="accent1">
+              <a:shade val="50000"/>
+            </a:schemeClr>
+          </a:lnRef>
+          <a:fillRef idx="1">
+            <a:schemeClr val="accent1"/>
+          </a:fillRef>
+          <a:effectRef idx="0">
+            <a:schemeClr val="accent1"/>
+          </a:effectRef>
+          <a:fontRef idx="minor">
+            <a:schemeClr val="lt1"/>
+          </a:fontRef>
+        </p:style>
+        <p:txBody>
+          <a:bodyPr rtlCol="0" anchor="ctr"/>
+          <a:lstStyle/>
+          <a:p>
+            <a:pPr algn="ctr"/>
+            <a:r>
+              <a:rPr lang="fr-FR" dirty="0" smtClean="0">
+                <a:solidFill>
+                  <a:srgbClr val="414141"/>
+                </a:solidFill>
+              </a:rPr>
+              <a:t>Nicolas</a:t>
+            </a:r>
+            <a:endParaRPr lang="fr-FR" dirty="0">
+              <a:solidFill>
+                <a:srgbClr val="414141"/>
+              </a:solidFill>
+            </a:endParaRPr>
+          </a:p>
+        </p:txBody>
+      </p:sp>
+      <p:sp>
+        <p:nvSpPr>
+          <p:cNvPr id="15" name="Rectangle 14"/>
+          <p:cNvSpPr/>
+          <p:nvPr/>
+        </p:nvSpPr>
+        <p:spPr>
+          <a:xfrm>
+            <a:off x="7748587" y="3741496"/>
+            <a:ext cx="1140220" cy="642656"/>
+          </a:xfrm>
+          <a:prstGeom prst="rect">
+            <a:avLst/>
+          </a:prstGeom>
+          <a:solidFill>
+            <a:schemeClr val="bg1"/>
+          </a:solidFill>
+          <a:ln>
+            <a:solidFill>
+              <a:srgbClr val="414141"/>
+            </a:solidFill>
+          </a:ln>
+        </p:spPr>
+        <p:style>
+          <a:lnRef idx="2">
+            <a:schemeClr val="accent1">
+              <a:shade val="50000"/>
+            </a:schemeClr>
+          </a:lnRef>
+          <a:fillRef idx="1">
+            <a:schemeClr val="accent1"/>
+          </a:fillRef>
+          <a:effectRef idx="0">
+            <a:schemeClr val="accent1"/>
+          </a:effectRef>
+          <a:fontRef idx="minor">
+            <a:schemeClr val="lt1"/>
+          </a:fontRef>
+        </p:style>
+        <p:txBody>
+          <a:bodyPr rtlCol="0" anchor="ctr"/>
+          <a:lstStyle/>
+          <a:p>
+            <a:pPr algn="ctr"/>
+            <a:r>
+              <a:rPr lang="fr-FR" dirty="0" smtClean="0">
+                <a:solidFill>
+                  <a:srgbClr val="414141"/>
+                </a:solidFill>
+              </a:rPr>
+              <a:t>Alban</a:t>
+            </a:r>
+            <a:endParaRPr lang="fr-FR" dirty="0">
+              <a:solidFill>
+                <a:srgbClr val="414141"/>
+              </a:solidFill>
+            </a:endParaRPr>
           </a:p>
         </p:txBody>
       </p:sp>
       <p:pic>
         <p:nvPicPr>
-          <p:cNvPr id="3" name="Image 2"/>
+          <p:cNvPr id="16" name="Image 15"/>
           <p:cNvPicPr>
             <a:picLocks noChangeAspect="1"/>
           </p:cNvPicPr>
           <p:nvPr/>
         </p:nvPicPr>
-        <p:blipFill>
-          <a:blip r:embed="rId2" cstate="print">
+        <p:blipFill rotWithShape="1">
+          <a:blip r:embed="rId4" cstate="print">
             <a:extLst>
               <a:ext uri="{28A0092B-C50C-407E-A947-70E740481C1C}">
                 <a14:useLocalDpi xmlns:a14="http://schemas.microsoft.com/office/drawing/2010/main" val="0"/>
               </a:ext>
             </a:extLst>
           </a:blip>
-          <a:stretch>
-            <a:fillRect/>
-          </a:stretch>
+          <a:srcRect b="14850"/>
+          <a:stretch/>
         </p:blipFill>
         <p:spPr>
           <a:xfrm>
-            <a:off x="307975" y="-52984"/>
-            <a:ext cx="749433" cy="749433"/>
+            <a:off x="7939036" y="3036492"/>
+            <a:ext cx="759321" cy="646553"/>
           </a:xfrm>
           <a:prstGeom prst="rect">
             <a:avLst/>
           </a:prstGeom>
         </p:spPr>
       </p:pic>
-      <p:sp>
-        <p:nvSpPr>
-          <p:cNvPr id="5" name="ZoneTexte 4"/>
-          <p:cNvSpPr txBox="1"/>
-          <p:nvPr/>
-        </p:nvSpPr>
-        <p:spPr>
-          <a:xfrm>
-            <a:off x="4433887" y="6404662"/>
-            <a:ext cx="3314700" cy="261610"/>
-          </a:xfrm>
-          <a:prstGeom prst="rect">
-            <a:avLst/>
-          </a:prstGeom>
-          <a:noFill/>
-        </p:spPr>
-        <p:txBody>
-          <a:bodyPr wrap="square" rtlCol="0">
-            <a:spAutoFit/>
-          </a:bodyPr>
-          <a:lstStyle/>
-          <a:p>
-            <a:pPr algn="ctr"/>
-            <a:r>
-              <a:rPr lang="it-IT" sz="1050" dirty="0">
-                <a:solidFill>
-                  <a:schemeClr val="bg1"/>
-                </a:solidFill>
-              </a:rPr>
-              <a:t>© 2019-2020 AJC Ingenierie - SOPRA - Team Artinuaire</a:t>
-            </a:r>
-            <a:endParaRPr lang="fr-FR" sz="1050" dirty="0">
-              <a:solidFill>
-                <a:schemeClr val="bg1"/>
-              </a:solidFill>
-            </a:endParaRPr>
-          </a:p>
-        </p:txBody>
-      </p:sp>
-      <p:sp>
-        <p:nvSpPr>
-          <p:cNvPr id="4" name="ZoneTexte 3"/>
-          <p:cNvSpPr txBox="1"/>
-          <p:nvPr/>
-        </p:nvSpPr>
-        <p:spPr>
-          <a:xfrm>
-            <a:off x="4071296" y="834395"/>
-            <a:ext cx="4039882" cy="769441"/>
-          </a:xfrm>
-          <a:prstGeom prst="rect">
-            <a:avLst/>
-          </a:prstGeom>
-          <a:noFill/>
-        </p:spPr>
-        <p:txBody>
-          <a:bodyPr wrap="square" rtlCol="0">
-            <a:spAutoFit/>
-          </a:bodyPr>
-          <a:lstStyle/>
-          <a:p>
-            <a:pPr algn="ctr"/>
-            <a:r>
-              <a:rPr lang="fr-FR" sz="4400" dirty="0" smtClean="0"/>
-              <a:t>Perspectives</a:t>
-            </a:r>
-            <a:endParaRPr lang="fr-FR" sz="4400" dirty="0"/>
-          </a:p>
-        </p:txBody>
-      </p:sp>
-      <p:sp>
-        <p:nvSpPr>
-          <p:cNvPr id="8" name="ZoneTexte 7"/>
-          <p:cNvSpPr txBox="1"/>
-          <p:nvPr/>
-        </p:nvSpPr>
-        <p:spPr>
-          <a:xfrm>
-            <a:off x="1057408" y="2043238"/>
-            <a:ext cx="7053770" cy="1569660"/>
-          </a:xfrm>
-          <a:prstGeom prst="rect">
-            <a:avLst/>
-          </a:prstGeom>
-          <a:noFill/>
-        </p:spPr>
-        <p:txBody>
-          <a:bodyPr wrap="square" rtlCol="0">
-            <a:spAutoFit/>
-          </a:bodyPr>
-          <a:lstStyle/>
-          <a:p>
-            <a:pPr marL="571500" indent="-571500">
-              <a:buFont typeface="Arial" panose="020B0604020202020204" pitchFamily="34" charset="0"/>
-              <a:buChar char="•"/>
-            </a:pPr>
-            <a:r>
-              <a:rPr lang="fr-FR" sz="3200" dirty="0" err="1" smtClean="0"/>
-              <a:t>Gélocalisation</a:t>
-            </a:r>
-            <a:endParaRPr lang="fr-FR" sz="3200" dirty="0" smtClean="0"/>
-          </a:p>
-          <a:p>
-            <a:pPr marL="571500" indent="-571500">
-              <a:buFont typeface="Arial" panose="020B0604020202020204" pitchFamily="34" charset="0"/>
-              <a:buChar char="•"/>
-            </a:pPr>
-            <a:r>
-              <a:rPr lang="fr-FR" sz="3200" dirty="0" smtClean="0"/>
-              <a:t>Plateforme de paiement</a:t>
-            </a:r>
-          </a:p>
-          <a:p>
-            <a:pPr marL="571500" indent="-571500">
-              <a:buFont typeface="Arial" panose="020B0604020202020204" pitchFamily="34" charset="0"/>
-              <a:buChar char="•"/>
-            </a:pPr>
-            <a:r>
-              <a:rPr lang="fr-FR" sz="3200" dirty="0" smtClean="0"/>
-              <a:t>…</a:t>
-            </a:r>
-            <a:endParaRPr lang="fr-FR" sz="3200" dirty="0"/>
-          </a:p>
-        </p:txBody>
-      </p:sp>
+      <p:pic>
+        <p:nvPicPr>
+          <p:cNvPr id="17" name="Image 16"/>
+          <p:cNvPicPr>
+            <a:picLocks noChangeAspect="1"/>
+          </p:cNvPicPr>
+          <p:nvPr/>
+        </p:nvPicPr>
+        <p:blipFill rotWithShape="1">
+          <a:blip r:embed="rId5" cstate="print">
+            <a:extLst>
+              <a:ext uri="{28A0092B-C50C-407E-A947-70E740481C1C}">
+                <a14:useLocalDpi xmlns:a14="http://schemas.microsoft.com/office/drawing/2010/main" val="0"/>
+              </a:ext>
+            </a:extLst>
+          </a:blip>
+          <a:srcRect b="23575"/>
+          <a:stretch/>
+        </p:blipFill>
+        <p:spPr>
+          <a:xfrm>
+            <a:off x="5022402" y="3048546"/>
+            <a:ext cx="759321" cy="580309"/>
+          </a:xfrm>
+          <a:prstGeom prst="rect">
+            <a:avLst/>
+          </a:prstGeom>
+        </p:spPr>
+      </p:pic>
+      <p:pic>
+        <p:nvPicPr>
+          <p:cNvPr id="18" name="Image 17"/>
+          <p:cNvPicPr>
+            <a:picLocks noChangeAspect="1"/>
+          </p:cNvPicPr>
+          <p:nvPr/>
+        </p:nvPicPr>
+        <p:blipFill rotWithShape="1">
+          <a:blip r:embed="rId6" cstate="print">
+            <a:extLst>
+              <a:ext uri="{28A0092B-C50C-407E-A947-70E740481C1C}">
+                <a14:useLocalDpi xmlns:a14="http://schemas.microsoft.com/office/drawing/2010/main" val="0"/>
+              </a:ext>
+            </a:extLst>
+          </a:blip>
+          <a:srcRect b="17963"/>
+          <a:stretch/>
+        </p:blipFill>
+        <p:spPr>
+          <a:xfrm>
+            <a:off x="3435194" y="3048546"/>
+            <a:ext cx="758738" cy="622446"/>
+          </a:xfrm>
+          <a:prstGeom prst="rect">
+            <a:avLst/>
+          </a:prstGeom>
+        </p:spPr>
+      </p:pic>
+      <p:pic>
+        <p:nvPicPr>
+          <p:cNvPr id="19" name="Image 18"/>
+          <p:cNvPicPr>
+            <a:picLocks noChangeAspect="1"/>
+          </p:cNvPicPr>
+          <p:nvPr/>
+        </p:nvPicPr>
+        <p:blipFill rotWithShape="1">
+          <a:blip r:embed="rId7" cstate="print">
+            <a:extLst>
+              <a:ext uri="{28A0092B-C50C-407E-A947-70E740481C1C}">
+                <a14:useLocalDpi xmlns:a14="http://schemas.microsoft.com/office/drawing/2010/main" val="0"/>
+              </a:ext>
+            </a:extLst>
+          </a:blip>
+          <a:srcRect b="13165"/>
+          <a:stretch/>
+        </p:blipFill>
+        <p:spPr>
+          <a:xfrm>
+            <a:off x="6515312" y="3048546"/>
+            <a:ext cx="771096" cy="669583"/>
+          </a:xfrm>
+          <a:prstGeom prst="rect">
+            <a:avLst/>
+          </a:prstGeom>
+        </p:spPr>
+      </p:pic>
     </p:spTree>
     <p:extLst>
       <p:ext uri="{BB962C8B-B14F-4D97-AF65-F5344CB8AC3E}">
-        <p14:creationId xmlns:p14="http://schemas.microsoft.com/office/powerpoint/2010/main" val="2692883855"/>
+        <p14:creationId xmlns:p14="http://schemas.microsoft.com/office/powerpoint/2010/main" val="359963604"/>
       </p:ext>
     </p:extLst>
   </p:cSld>

--- a/alban.pptx
+++ b/alban.pptx
@@ -208,7 +208,7 @@
           <a:p>
             <a:fld id="{E4ED89D8-F983-474F-A0BB-903E4C10B007}" type="datetimeFigureOut">
               <a:rPr lang="fr-FR" smtClean="0"/>
-              <a:t>20/02/2020</a:t>
+              <a:t>21/02/2020</a:t>
             </a:fld>
             <a:endParaRPr lang="fr-FR"/>
           </a:p>
@@ -919,6 +919,13 @@
               <a:rPr lang="fr-FR" baseline="0" dirty="0" smtClean="0"/>
               <a:t>-si difficulté rencontré, un des collaborateur allait aidé celui en difficulté </a:t>
             </a:r>
+            <a:endParaRPr lang="fr-FR" baseline="0" dirty="0" smtClean="0"/>
+          </a:p>
+          <a:p>
+            <a:r>
+              <a:rPr lang="fr-FR" baseline="0" smtClean="0"/>
+              <a:t>SUIVI</a:t>
+            </a:r>
             <a:endParaRPr lang="fr-FR" dirty="0"/>
           </a:p>
         </p:txBody>
@@ -1174,7 +1181,7 @@
           <a:p>
             <a:fld id="{468C2E8D-1676-4892-8589-30B233370069}" type="datetimeFigureOut">
               <a:rPr lang="fr-FR" smtClean="0"/>
-              <a:t>20/02/2020</a:t>
+              <a:t>21/02/2020</a:t>
             </a:fld>
             <a:endParaRPr lang="fr-FR"/>
           </a:p>
@@ -1344,7 +1351,7 @@
           <a:p>
             <a:fld id="{468C2E8D-1676-4892-8589-30B233370069}" type="datetimeFigureOut">
               <a:rPr lang="fr-FR" smtClean="0"/>
-              <a:t>20/02/2020</a:t>
+              <a:t>21/02/2020</a:t>
             </a:fld>
             <a:endParaRPr lang="fr-FR"/>
           </a:p>
@@ -1524,7 +1531,7 @@
           <a:p>
             <a:fld id="{468C2E8D-1676-4892-8589-30B233370069}" type="datetimeFigureOut">
               <a:rPr lang="fr-FR" smtClean="0"/>
-              <a:t>20/02/2020</a:t>
+              <a:t>21/02/2020</a:t>
             </a:fld>
             <a:endParaRPr lang="fr-FR"/>
           </a:p>
@@ -1694,7 +1701,7 @@
           <a:p>
             <a:fld id="{468C2E8D-1676-4892-8589-30B233370069}" type="datetimeFigureOut">
               <a:rPr lang="fr-FR" smtClean="0"/>
-              <a:t>20/02/2020</a:t>
+              <a:t>21/02/2020</a:t>
             </a:fld>
             <a:endParaRPr lang="fr-FR"/>
           </a:p>
@@ -1940,7 +1947,7 @@
           <a:p>
             <a:fld id="{468C2E8D-1676-4892-8589-30B233370069}" type="datetimeFigureOut">
               <a:rPr lang="fr-FR" smtClean="0"/>
-              <a:t>20/02/2020</a:t>
+              <a:t>21/02/2020</a:t>
             </a:fld>
             <a:endParaRPr lang="fr-FR"/>
           </a:p>
@@ -2172,7 +2179,7 @@
           <a:p>
             <a:fld id="{468C2E8D-1676-4892-8589-30B233370069}" type="datetimeFigureOut">
               <a:rPr lang="fr-FR" smtClean="0"/>
-              <a:t>20/02/2020</a:t>
+              <a:t>21/02/2020</a:t>
             </a:fld>
             <a:endParaRPr lang="fr-FR"/>
           </a:p>
@@ -2539,7 +2546,7 @@
           <a:p>
             <a:fld id="{468C2E8D-1676-4892-8589-30B233370069}" type="datetimeFigureOut">
               <a:rPr lang="fr-FR" smtClean="0"/>
-              <a:t>20/02/2020</a:t>
+              <a:t>21/02/2020</a:t>
             </a:fld>
             <a:endParaRPr lang="fr-FR"/>
           </a:p>
@@ -2657,7 +2664,7 @@
           <a:p>
             <a:fld id="{468C2E8D-1676-4892-8589-30B233370069}" type="datetimeFigureOut">
               <a:rPr lang="fr-FR" smtClean="0"/>
-              <a:t>20/02/2020</a:t>
+              <a:t>21/02/2020</a:t>
             </a:fld>
             <a:endParaRPr lang="fr-FR"/>
           </a:p>
@@ -2752,7 +2759,7 @@
           <a:p>
             <a:fld id="{468C2E8D-1676-4892-8589-30B233370069}" type="datetimeFigureOut">
               <a:rPr lang="fr-FR" smtClean="0"/>
-              <a:t>20/02/2020</a:t>
+              <a:t>21/02/2020</a:t>
             </a:fld>
             <a:endParaRPr lang="fr-FR"/>
           </a:p>
@@ -3029,7 +3036,7 @@
           <a:p>
             <a:fld id="{468C2E8D-1676-4892-8589-30B233370069}" type="datetimeFigureOut">
               <a:rPr lang="fr-FR" smtClean="0"/>
-              <a:t>20/02/2020</a:t>
+              <a:t>21/02/2020</a:t>
             </a:fld>
             <a:endParaRPr lang="fr-FR"/>
           </a:p>
@@ -3282,7 +3289,7 @@
           <a:p>
             <a:fld id="{468C2E8D-1676-4892-8589-30B233370069}" type="datetimeFigureOut">
               <a:rPr lang="fr-FR" smtClean="0"/>
-              <a:t>20/02/2020</a:t>
+              <a:t>21/02/2020</a:t>
             </a:fld>
             <a:endParaRPr lang="fr-FR"/>
           </a:p>
@@ -3495,7 +3502,7 @@
           <a:p>
             <a:fld id="{468C2E8D-1676-4892-8589-30B233370069}" type="datetimeFigureOut">
               <a:rPr lang="fr-FR" smtClean="0"/>
-              <a:t>20/02/2020</a:t>
+              <a:t>21/02/2020</a:t>
             </a:fld>
             <a:endParaRPr lang="fr-FR"/>
           </a:p>
@@ -5360,8 +5367,8 @@
         </p:nvSpPr>
         <p:spPr>
           <a:xfrm>
-            <a:off x="1057408" y="2043238"/>
-            <a:ext cx="9362942" cy="3046988"/>
+            <a:off x="1057408" y="2148013"/>
+            <a:ext cx="9362942" cy="2554545"/>
           </a:xfrm>
           <a:prstGeom prst="rect">
             <a:avLst/>
@@ -5380,8 +5387,13 @@
             </a:pPr>
             <a:r>
               <a:rPr lang="fr-FR" sz="3200" dirty="0" smtClean="0"/>
-              <a:t>Consulter leur liste de demandes/offres</a:t>
-            </a:r>
+              <a:t>Consulter leur liste de </a:t>
+            </a:r>
+            <a:r>
+              <a:rPr lang="fr-FR" sz="3200" dirty="0" smtClean="0"/>
+              <a:t>demandes/offres,</a:t>
+            </a:r>
+            <a:endParaRPr lang="fr-FR" sz="3200" dirty="0" smtClean="0"/>
           </a:p>
           <a:p>
             <a:pPr marL="571500" indent="-571500">
@@ -5390,7 +5402,11 @@
             </a:pPr>
             <a:r>
               <a:rPr lang="fr-FR" sz="3200" dirty="0" smtClean="0"/>
-              <a:t>Automatisation de la création des demandes</a:t>
+              <a:t>Automatisation de la création des </a:t>
+            </a:r>
+            <a:r>
+              <a:rPr lang="fr-FR" sz="3200" dirty="0" smtClean="0"/>
+              <a:t>demandes,</a:t>
             </a:r>
             <a:endParaRPr lang="fr-FR" sz="3200" dirty="0" smtClean="0"/>
           </a:p>
@@ -5401,8 +5417,13 @@
             </a:pPr>
             <a:r>
               <a:rPr lang="fr-FR" sz="3200" dirty="0" smtClean="0"/>
-              <a:t>Gestion du calendrier</a:t>
-            </a:r>
+              <a:t>Gestion du </a:t>
+            </a:r>
+            <a:r>
+              <a:rPr lang="fr-FR" sz="3200" dirty="0" smtClean="0"/>
+              <a:t>calendrier,</a:t>
+            </a:r>
+            <a:endParaRPr lang="fr-FR" sz="3200" dirty="0" smtClean="0"/>
           </a:p>
           <a:p>
             <a:pPr marL="571500" indent="-571500">
@@ -5410,30 +5431,20 @@
               <a:buChar char="•"/>
             </a:pPr>
             <a:r>
-              <a:rPr lang="fr-FR" sz="3200" dirty="0" err="1" smtClean="0"/>
-              <a:t>Gélocalisation</a:t>
+              <a:rPr lang="fr-FR" sz="3200" dirty="0" smtClean="0"/>
+              <a:t>Plateforme </a:t>
+            </a:r>
+            <a:r>
+              <a:rPr lang="fr-FR" sz="3200" dirty="0" smtClean="0"/>
+              <a:t>de </a:t>
+            </a:r>
+            <a:r>
+              <a:rPr lang="fr-FR" sz="3200" dirty="0" smtClean="0"/>
+              <a:t>paiement,</a:t>
             </a:r>
             <a:endParaRPr lang="fr-FR" sz="3200" dirty="0" smtClean="0"/>
           </a:p>
           <a:p>
-            <a:pPr marL="571500" indent="-571500">
-              <a:buFont typeface="Arial" panose="020B0604020202020204" pitchFamily="34" charset="0"/>
-              <a:buChar char="•"/>
-            </a:pPr>
-            <a:r>
-              <a:rPr lang="fr-FR" sz="3200" dirty="0" smtClean="0"/>
-              <a:t>Plateforme de paiement</a:t>
-            </a:r>
-          </a:p>
-          <a:p>
-            <a:pPr marL="571500" indent="-571500">
-              <a:buFont typeface="Arial" panose="020B0604020202020204" pitchFamily="34" charset="0"/>
-              <a:buChar char="•"/>
-            </a:pPr>
-            <a:r>
-              <a:rPr lang="fr-FR" sz="3200" dirty="0" smtClean="0"/>
-              <a:t>…</a:t>
-            </a:r>
             <a:endParaRPr lang="fr-FR" sz="3200" dirty="0"/>
           </a:p>
         </p:txBody>
@@ -6624,127 +6635,6 @@
       </p:grpSp>
       <p:grpSp>
         <p:nvGrpSpPr>
-          <p:cNvPr id="35" name="Groupe 34"/>
-          <p:cNvGrpSpPr/>
-          <p:nvPr/>
-        </p:nvGrpSpPr>
-        <p:grpSpPr>
-          <a:xfrm>
-            <a:off x="10376291" y="3049131"/>
-            <a:ext cx="1450181" cy="1227228"/>
-            <a:chOff x="8823721" y="2996531"/>
-            <a:chExt cx="1450181" cy="1227228"/>
-          </a:xfrm>
-        </p:grpSpPr>
-        <p:pic>
-          <p:nvPicPr>
-            <p:cNvPr id="21" name="Image 20"/>
-            <p:cNvPicPr>
-              <a:picLocks noChangeAspect="1"/>
-            </p:cNvPicPr>
-            <p:nvPr/>
-          </p:nvPicPr>
-          <p:blipFill rotWithShape="1">
-            <a:blip r:embed="rId7" cstate="print">
-              <a:extLst>
-                <a:ext uri="{28A0092B-C50C-407E-A947-70E740481C1C}">
-                  <a14:useLocalDpi xmlns:a14="http://schemas.microsoft.com/office/drawing/2010/main" val="0"/>
-                </a:ext>
-              </a:extLst>
-            </a:blip>
-            <a:srcRect b="14623"/>
-            <a:stretch/>
-          </p:blipFill>
-          <p:spPr>
-            <a:xfrm>
-              <a:off x="9229725" y="3197728"/>
-              <a:ext cx="638174" cy="544850"/>
-            </a:xfrm>
-            <a:prstGeom prst="rect">
-              <a:avLst/>
-            </a:prstGeom>
-          </p:spPr>
-        </p:pic>
-        <p:sp>
-          <p:nvSpPr>
-            <p:cNvPr id="22" name="ZoneTexte 21"/>
-            <p:cNvSpPr txBox="1"/>
-            <p:nvPr/>
-          </p:nvSpPr>
-          <p:spPr>
-            <a:xfrm>
-              <a:off x="9102254" y="3846864"/>
-              <a:ext cx="893116" cy="369332"/>
-            </a:xfrm>
-            <a:prstGeom prst="rect">
-              <a:avLst/>
-            </a:prstGeom>
-            <a:noFill/>
-          </p:spPr>
-          <p:txBody>
-            <a:bodyPr wrap="square" rtlCol="0">
-              <a:spAutoFit/>
-            </a:bodyPr>
-            <a:lstStyle/>
-            <a:p>
-              <a:pPr algn="ctr"/>
-              <a:r>
-                <a:rPr lang="fr-FR" dirty="0" smtClean="0"/>
-                <a:t>Suivi</a:t>
-              </a:r>
-              <a:endParaRPr lang="fr-FR" dirty="0"/>
-            </a:p>
-          </p:txBody>
-        </p:sp>
-        <p:sp>
-          <p:nvSpPr>
-            <p:cNvPr id="30" name="Rectangle 29"/>
-            <p:cNvSpPr/>
-            <p:nvPr/>
-          </p:nvSpPr>
-          <p:spPr>
-            <a:xfrm>
-              <a:off x="8823721" y="2996531"/>
-              <a:ext cx="1450181" cy="1227228"/>
-            </a:xfrm>
-            <a:prstGeom prst="rect">
-              <a:avLst/>
-            </a:prstGeom>
-            <a:noFill/>
-            <a:ln>
-              <a:solidFill>
-                <a:srgbClr val="414141"/>
-              </a:solidFill>
-            </a:ln>
-          </p:spPr>
-          <p:style>
-            <a:lnRef idx="2">
-              <a:schemeClr val="accent1">
-                <a:shade val="50000"/>
-              </a:schemeClr>
-            </a:lnRef>
-            <a:fillRef idx="1">
-              <a:schemeClr val="accent1"/>
-            </a:fillRef>
-            <a:effectRef idx="0">
-              <a:schemeClr val="accent1"/>
-            </a:effectRef>
-            <a:fontRef idx="minor">
-              <a:schemeClr val="lt1"/>
-            </a:fontRef>
-          </p:style>
-          <p:txBody>
-            <a:bodyPr rtlCol="0" anchor="ctr"/>
-            <a:lstStyle/>
-            <a:p>
-              <a:pPr algn="ctr"/>
-              <a:endParaRPr lang="fr-FR"/>
-            </a:p>
-          </p:txBody>
-        </p:sp>
-      </p:grpSp>
-      <p:grpSp>
-        <p:nvGrpSpPr>
           <p:cNvPr id="34" name="Groupe 33"/>
           <p:cNvGrpSpPr/>
           <p:nvPr/>
@@ -6766,7 +6656,7 @@
             <p:nvPr/>
           </p:nvPicPr>
           <p:blipFill rotWithShape="1">
-            <a:blip r:embed="rId8" cstate="print">
+            <a:blip r:embed="rId7" cstate="print">
               <a:extLst>
                 <a:ext uri="{28A0092B-C50C-407E-A947-70E740481C1C}">
                   <a14:useLocalDpi xmlns:a14="http://schemas.microsoft.com/office/drawing/2010/main" val="0"/>
@@ -6863,6 +6753,142 @@
             </a:p>
           </p:txBody>
         </p:sp>
+      </p:grpSp>
+      <p:grpSp>
+        <p:nvGrpSpPr>
+          <p:cNvPr id="36" name="Groupe 35"/>
+          <p:cNvGrpSpPr/>
+          <p:nvPr/>
+        </p:nvGrpSpPr>
+        <p:grpSpPr>
+          <a:xfrm>
+            <a:off x="10380457" y="3049131"/>
+            <a:ext cx="1450181" cy="1227228"/>
+            <a:chOff x="5366146" y="906107"/>
+            <a:chExt cx="1450181" cy="1227228"/>
+          </a:xfrm>
+        </p:grpSpPr>
+        <p:grpSp>
+          <p:nvGrpSpPr>
+            <p:cNvPr id="37" name="Groupe 36"/>
+            <p:cNvGrpSpPr/>
+            <p:nvPr/>
+          </p:nvGrpSpPr>
+          <p:grpSpPr>
+            <a:xfrm>
+              <a:off x="5366146" y="906107"/>
+              <a:ext cx="1450181" cy="1227228"/>
+              <a:chOff x="8823721" y="2996531"/>
+              <a:chExt cx="1450181" cy="1227228"/>
+            </a:xfrm>
+          </p:grpSpPr>
+          <p:sp>
+            <p:nvSpPr>
+              <p:cNvPr id="39" name="ZoneTexte 38"/>
+              <p:cNvSpPr txBox="1"/>
+              <p:nvPr/>
+            </p:nvSpPr>
+            <p:spPr>
+              <a:xfrm>
+                <a:off x="9102254" y="3846864"/>
+                <a:ext cx="893116" cy="369332"/>
+              </a:xfrm>
+              <a:prstGeom prst="rect">
+                <a:avLst/>
+              </a:prstGeom>
+              <a:noFill/>
+            </p:spPr>
+            <p:txBody>
+              <a:bodyPr wrap="square" rtlCol="0">
+                <a:spAutoFit/>
+              </a:bodyPr>
+              <a:lstStyle/>
+              <a:p>
+                <a:pPr algn="ctr"/>
+                <a:r>
+                  <a:rPr lang="fr-FR" dirty="0" smtClean="0"/>
+                  <a:t>Retour</a:t>
+                </a:r>
+                <a:endParaRPr lang="fr-FR" dirty="0"/>
+              </a:p>
+            </p:txBody>
+          </p:sp>
+          <p:sp>
+            <p:nvSpPr>
+              <p:cNvPr id="40" name="Rectangle 39"/>
+              <p:cNvSpPr/>
+              <p:nvPr/>
+            </p:nvSpPr>
+            <p:spPr>
+              <a:xfrm>
+                <a:off x="8823721" y="2996531"/>
+                <a:ext cx="1450181" cy="1227228"/>
+              </a:xfrm>
+              <a:prstGeom prst="rect">
+                <a:avLst/>
+              </a:prstGeom>
+              <a:noFill/>
+              <a:ln>
+                <a:solidFill>
+                  <a:srgbClr val="414141"/>
+                </a:solidFill>
+              </a:ln>
+            </p:spPr>
+            <p:style>
+              <a:lnRef idx="2">
+                <a:schemeClr val="accent1">
+                  <a:shade val="50000"/>
+                </a:schemeClr>
+              </a:lnRef>
+              <a:fillRef idx="1">
+                <a:schemeClr val="accent1"/>
+              </a:fillRef>
+              <a:effectRef idx="0">
+                <a:schemeClr val="accent1"/>
+              </a:effectRef>
+              <a:fontRef idx="minor">
+                <a:schemeClr val="lt1"/>
+              </a:fontRef>
+            </p:style>
+            <p:txBody>
+              <a:bodyPr rtlCol="0" anchor="ctr"/>
+              <a:lstStyle/>
+              <a:p>
+                <a:pPr algn="ctr"/>
+                <a:endParaRPr lang="fr-FR"/>
+              </a:p>
+            </p:txBody>
+          </p:sp>
+        </p:grpSp>
+        <p:pic>
+          <p:nvPicPr>
+            <p:cNvPr id="38" name="Image 37"/>
+            <p:cNvPicPr>
+              <a:picLocks noChangeAspect="1"/>
+            </p:cNvPicPr>
+            <p:nvPr/>
+          </p:nvPicPr>
+          <p:blipFill rotWithShape="1">
+            <a:blip r:embed="rId8" cstate="print">
+              <a:extLst>
+                <a:ext uri="{28A0092B-C50C-407E-A947-70E740481C1C}">
+                  <a14:useLocalDpi xmlns:a14="http://schemas.microsoft.com/office/drawing/2010/main" val="0"/>
+                </a:ext>
+              </a:extLst>
+            </a:blip>
+            <a:srcRect b="14203"/>
+            <a:stretch/>
+          </p:blipFill>
+          <p:spPr>
+            <a:xfrm>
+              <a:off x="5770638" y="1172482"/>
+              <a:ext cx="641195" cy="550131"/>
+            </a:xfrm>
+            <a:prstGeom prst="rect">
+              <a:avLst/>
+            </a:prstGeom>
+          </p:spPr>
+        </p:pic>
       </p:grpSp>
     </p:spTree>
     <p:extLst>
@@ -9487,7 +9513,7 @@
         </p:nvSpPr>
         <p:spPr>
           <a:xfrm>
-            <a:off x="2204086" y="2939966"/>
+            <a:off x="2937511" y="2939966"/>
             <a:ext cx="7752906" cy="369332"/>
           </a:xfrm>
           <a:prstGeom prst="rect">
@@ -9538,7 +9564,7 @@
         </p:blipFill>
         <p:spPr bwMode="auto">
           <a:xfrm>
-            <a:off x="2204085" y="3905917"/>
+            <a:off x="2937510" y="3905917"/>
             <a:ext cx="878406" cy="878406"/>
           </a:xfrm>
           <a:prstGeom prst="rect">
@@ -9577,7 +9603,7 @@
         </p:blipFill>
         <p:spPr bwMode="auto">
           <a:xfrm>
-            <a:off x="7136229" y="3762190"/>
+            <a:off x="7869654" y="3762190"/>
             <a:ext cx="1336018" cy="1091710"/>
           </a:xfrm>
           <a:prstGeom prst="rect">
@@ -9616,7 +9642,7 @@
         </p:blipFill>
         <p:spPr bwMode="auto">
           <a:xfrm flipV="1">
-            <a:off x="3669302" y="3739639"/>
+            <a:off x="4402727" y="3739639"/>
             <a:ext cx="1188494" cy="1136812"/>
           </a:xfrm>
           <a:prstGeom prst="rect">
@@ -9657,7 +9683,7 @@
         </p:blipFill>
         <p:spPr bwMode="auto">
           <a:xfrm>
-            <a:off x="5612052" y="3888731"/>
+            <a:off x="6345477" y="3888731"/>
             <a:ext cx="958620" cy="988978"/>
           </a:xfrm>
           <a:prstGeom prst="rect">
@@ -9698,7 +9724,7 @@
         </p:blipFill>
         <p:spPr bwMode="auto">
           <a:xfrm>
-            <a:off x="8991787" y="3856315"/>
+            <a:off x="9725212" y="3856315"/>
             <a:ext cx="977609" cy="977609"/>
           </a:xfrm>
           <a:prstGeom prst="rect">
@@ -9724,7 +9750,7 @@
         </p:nvSpPr>
         <p:spPr>
           <a:xfrm>
-            <a:off x="5391130" y="5355371"/>
+            <a:off x="6124555" y="5355371"/>
             <a:ext cx="1428785" cy="369332"/>
           </a:xfrm>
           <a:prstGeom prst="rect">
@@ -9768,7 +9794,7 @@
         </p:blipFill>
         <p:spPr>
           <a:xfrm>
-            <a:off x="4729220" y="5365482"/>
+            <a:off x="5462645" y="5365482"/>
             <a:ext cx="420231" cy="354801"/>
           </a:xfrm>
           <a:prstGeom prst="rect">
@@ -9797,7 +9823,7 @@
         </p:blipFill>
         <p:spPr>
           <a:xfrm>
-            <a:off x="7061594" y="5365482"/>
+            <a:off x="7795019" y="5365482"/>
             <a:ext cx="420231" cy="354801"/>
           </a:xfrm>
           <a:prstGeom prst="rect">
@@ -9805,6 +9831,83 @@
           </a:prstGeom>
         </p:spPr>
       </p:pic>
+      <p:pic>
+        <p:nvPicPr>
+          <p:cNvPr id="1026" name="Picture 2" descr="Résultat de recherche d'images pour &quot;logo git&quot;"/>
+          <p:cNvPicPr>
+            <a:picLocks noChangeAspect="1" noChangeArrowheads="1"/>
+          </p:cNvPicPr>
+          <p:nvPr/>
+        </p:nvPicPr>
+        <p:blipFill>
+          <a:blip r:embed="rId11" cstate="print">
+            <a:extLst>
+              <a:ext uri="{28A0092B-C50C-407E-A947-70E740481C1C}">
+                <a14:useLocalDpi xmlns:a14="http://schemas.microsoft.com/office/drawing/2010/main" val="0"/>
+              </a:ext>
+            </a:extLst>
+          </a:blip>
+          <a:srcRect/>
+          <a:stretch>
+            <a:fillRect/>
+          </a:stretch>
+        </p:blipFill>
+        <p:spPr bwMode="auto">
+          <a:xfrm>
+            <a:off x="1193800" y="3886997"/>
+            <a:ext cx="989454" cy="989454"/>
+          </a:xfrm>
+          <a:prstGeom prst="rect">
+            <a:avLst/>
+          </a:prstGeom>
+          <a:noFill/>
+          <a:extLst>
+            <a:ext uri="{909E8E84-426E-40DD-AFC4-6F175D3DCCD1}">
+              <a14:hiddenFill xmlns:a14="http://schemas.microsoft.com/office/drawing/2010/main">
+                <a:solidFill>
+                  <a:srgbClr val="FFFFFF"/>
+                </a:solidFill>
+              </a14:hiddenFill>
+            </a:ext>
+          </a:extLst>
+        </p:spPr>
+      </p:pic>
+      <p:sp>
+        <p:nvSpPr>
+          <p:cNvPr id="21" name="ZoneTexte 20"/>
+          <p:cNvSpPr txBox="1"/>
+          <p:nvPr/>
+        </p:nvSpPr>
+        <p:spPr>
+          <a:xfrm>
+            <a:off x="946150" y="2939966"/>
+            <a:ext cx="1530612" cy="369332"/>
+          </a:xfrm>
+          <a:prstGeom prst="rect">
+            <a:avLst/>
+          </a:prstGeom>
+          <a:noFill/>
+          <a:ln w="19050">
+            <a:solidFill>
+              <a:srgbClr val="414141"/>
+            </a:solidFill>
+          </a:ln>
+        </p:spPr>
+        <p:txBody>
+          <a:bodyPr wrap="square" rtlCol="0">
+            <a:spAutoFit/>
+          </a:bodyPr>
+          <a:lstStyle/>
+          <a:p>
+            <a:pPr algn="ctr"/>
+            <a:r>
+              <a:rPr lang="fr-FR" dirty="0" err="1" smtClean="0"/>
+              <a:t>Versionning</a:t>
+            </a:r>
+            <a:endParaRPr lang="fr-FR" dirty="0"/>
+          </a:p>
+        </p:txBody>
+      </p:sp>
     </p:spTree>
     <p:extLst>
       <p:ext uri="{BB962C8B-B14F-4D97-AF65-F5344CB8AC3E}">
@@ -10425,127 +10528,6 @@
           </a:p>
         </p:txBody>
       </p:sp>
-      <p:grpSp>
-        <p:nvGrpSpPr>
-          <p:cNvPr id="8" name="Groupe 7"/>
-          <p:cNvGrpSpPr/>
-          <p:nvPr/>
-        </p:nvGrpSpPr>
-        <p:grpSpPr>
-          <a:xfrm>
-            <a:off x="5366146" y="906107"/>
-            <a:ext cx="1450181" cy="1227228"/>
-            <a:chOff x="8823721" y="2996531"/>
-            <a:chExt cx="1450181" cy="1227228"/>
-          </a:xfrm>
-        </p:grpSpPr>
-        <p:pic>
-          <p:nvPicPr>
-            <p:cNvPr id="9" name="Image 8"/>
-            <p:cNvPicPr>
-              <a:picLocks noChangeAspect="1"/>
-            </p:cNvPicPr>
-            <p:nvPr/>
-          </p:nvPicPr>
-          <p:blipFill rotWithShape="1">
-            <a:blip r:embed="rId3" cstate="print">
-              <a:extLst>
-                <a:ext uri="{28A0092B-C50C-407E-A947-70E740481C1C}">
-                  <a14:useLocalDpi xmlns:a14="http://schemas.microsoft.com/office/drawing/2010/main" val="0"/>
-                </a:ext>
-              </a:extLst>
-            </a:blip>
-            <a:srcRect b="14623"/>
-            <a:stretch/>
-          </p:blipFill>
-          <p:spPr>
-            <a:xfrm>
-              <a:off x="9229725" y="3197728"/>
-              <a:ext cx="638174" cy="544850"/>
-            </a:xfrm>
-            <a:prstGeom prst="rect">
-              <a:avLst/>
-            </a:prstGeom>
-          </p:spPr>
-        </p:pic>
-        <p:sp>
-          <p:nvSpPr>
-            <p:cNvPr id="10" name="ZoneTexte 9"/>
-            <p:cNvSpPr txBox="1"/>
-            <p:nvPr/>
-          </p:nvSpPr>
-          <p:spPr>
-            <a:xfrm>
-              <a:off x="9102254" y="3846864"/>
-              <a:ext cx="893116" cy="369332"/>
-            </a:xfrm>
-            <a:prstGeom prst="rect">
-              <a:avLst/>
-            </a:prstGeom>
-            <a:noFill/>
-          </p:spPr>
-          <p:txBody>
-            <a:bodyPr wrap="square" rtlCol="0">
-              <a:spAutoFit/>
-            </a:bodyPr>
-            <a:lstStyle/>
-            <a:p>
-              <a:pPr algn="ctr"/>
-              <a:r>
-                <a:rPr lang="fr-FR" dirty="0" smtClean="0"/>
-                <a:t>Suivi</a:t>
-              </a:r>
-              <a:endParaRPr lang="fr-FR" dirty="0"/>
-            </a:p>
-          </p:txBody>
-        </p:sp>
-        <p:sp>
-          <p:nvSpPr>
-            <p:cNvPr id="11" name="Rectangle 10"/>
-            <p:cNvSpPr/>
-            <p:nvPr/>
-          </p:nvSpPr>
-          <p:spPr>
-            <a:xfrm>
-              <a:off x="8823721" y="2996531"/>
-              <a:ext cx="1450181" cy="1227228"/>
-            </a:xfrm>
-            <a:prstGeom prst="rect">
-              <a:avLst/>
-            </a:prstGeom>
-            <a:noFill/>
-            <a:ln>
-              <a:solidFill>
-                <a:srgbClr val="414141"/>
-              </a:solidFill>
-            </a:ln>
-          </p:spPr>
-          <p:style>
-            <a:lnRef idx="2">
-              <a:schemeClr val="accent1">
-                <a:shade val="50000"/>
-              </a:schemeClr>
-            </a:lnRef>
-            <a:fillRef idx="1">
-              <a:schemeClr val="accent1"/>
-            </a:fillRef>
-            <a:effectRef idx="0">
-              <a:schemeClr val="accent1"/>
-            </a:effectRef>
-            <a:fontRef idx="minor">
-              <a:schemeClr val="lt1"/>
-            </a:fontRef>
-          </p:style>
-          <p:txBody>
-            <a:bodyPr rtlCol="0" anchor="ctr"/>
-            <a:lstStyle/>
-            <a:p>
-              <a:pPr algn="ctr"/>
-              <a:endParaRPr lang="fr-FR"/>
-            </a:p>
-          </p:txBody>
-        </p:sp>
-      </p:grpSp>
       <p:sp>
         <p:nvSpPr>
           <p:cNvPr id="12" name="Rectangle 11"/>
@@ -10795,7 +10777,7 @@
           <p:nvPr/>
         </p:nvPicPr>
         <p:blipFill rotWithShape="1">
-          <a:blip r:embed="rId4" cstate="print">
+          <a:blip r:embed="rId3" cstate="print">
             <a:extLst>
               <a:ext uri="{28A0092B-C50C-407E-A947-70E740481C1C}">
                 <a14:useLocalDpi xmlns:a14="http://schemas.microsoft.com/office/drawing/2010/main" val="0"/>
@@ -10824,7 +10806,7 @@
           <p:nvPr/>
         </p:nvPicPr>
         <p:blipFill rotWithShape="1">
-          <a:blip r:embed="rId5" cstate="print">
+          <a:blip r:embed="rId4" cstate="print">
             <a:extLst>
               <a:ext uri="{28A0092B-C50C-407E-A947-70E740481C1C}">
                 <a14:useLocalDpi xmlns:a14="http://schemas.microsoft.com/office/drawing/2010/main" val="0"/>
@@ -10853,7 +10835,7 @@
           <p:nvPr/>
         </p:nvPicPr>
         <p:blipFill rotWithShape="1">
-          <a:blip r:embed="rId6" cstate="print">
+          <a:blip r:embed="rId5" cstate="print">
             <a:extLst>
               <a:ext uri="{28A0092B-C50C-407E-A947-70E740481C1C}">
                 <a14:useLocalDpi xmlns:a14="http://schemas.microsoft.com/office/drawing/2010/main" val="0"/>
@@ -10882,7 +10864,7 @@
           <p:nvPr/>
         </p:nvPicPr>
         <p:blipFill rotWithShape="1">
-          <a:blip r:embed="rId7" cstate="print">
+          <a:blip r:embed="rId6" cstate="print">
             <a:extLst>
               <a:ext uri="{28A0092B-C50C-407E-A947-70E740481C1C}">
                 <a14:useLocalDpi xmlns:a14="http://schemas.microsoft.com/office/drawing/2010/main" val="0"/>
@@ -10902,6 +10884,142 @@
           </a:prstGeom>
         </p:spPr>
       </p:pic>
+      <p:grpSp>
+        <p:nvGrpSpPr>
+          <p:cNvPr id="4" name="Groupe 3"/>
+          <p:cNvGrpSpPr/>
+          <p:nvPr/>
+        </p:nvGrpSpPr>
+        <p:grpSpPr>
+          <a:xfrm>
+            <a:off x="5366146" y="906107"/>
+            <a:ext cx="1450181" cy="1227228"/>
+            <a:chOff x="5366146" y="906107"/>
+            <a:chExt cx="1450181" cy="1227228"/>
+          </a:xfrm>
+        </p:grpSpPr>
+        <p:grpSp>
+          <p:nvGrpSpPr>
+            <p:cNvPr id="8" name="Groupe 7"/>
+            <p:cNvGrpSpPr/>
+            <p:nvPr/>
+          </p:nvGrpSpPr>
+          <p:grpSpPr>
+            <a:xfrm>
+              <a:off x="5366146" y="906107"/>
+              <a:ext cx="1450181" cy="1227228"/>
+              <a:chOff x="8823721" y="2996531"/>
+              <a:chExt cx="1450181" cy="1227228"/>
+            </a:xfrm>
+          </p:grpSpPr>
+          <p:sp>
+            <p:nvSpPr>
+              <p:cNvPr id="10" name="ZoneTexte 9"/>
+              <p:cNvSpPr txBox="1"/>
+              <p:nvPr/>
+            </p:nvSpPr>
+            <p:spPr>
+              <a:xfrm>
+                <a:off x="9102254" y="3846864"/>
+                <a:ext cx="893116" cy="369332"/>
+              </a:xfrm>
+              <a:prstGeom prst="rect">
+                <a:avLst/>
+              </a:prstGeom>
+              <a:noFill/>
+            </p:spPr>
+            <p:txBody>
+              <a:bodyPr wrap="square" rtlCol="0">
+                <a:spAutoFit/>
+              </a:bodyPr>
+              <a:lstStyle/>
+              <a:p>
+                <a:pPr algn="ctr"/>
+                <a:r>
+                  <a:rPr lang="fr-FR" dirty="0" smtClean="0"/>
+                  <a:t>Retour</a:t>
+                </a:r>
+                <a:endParaRPr lang="fr-FR" dirty="0"/>
+              </a:p>
+            </p:txBody>
+          </p:sp>
+          <p:sp>
+            <p:nvSpPr>
+              <p:cNvPr id="11" name="Rectangle 10"/>
+              <p:cNvSpPr/>
+              <p:nvPr/>
+            </p:nvSpPr>
+            <p:spPr>
+              <a:xfrm>
+                <a:off x="8823721" y="2996531"/>
+                <a:ext cx="1450181" cy="1227228"/>
+              </a:xfrm>
+              <a:prstGeom prst="rect">
+                <a:avLst/>
+              </a:prstGeom>
+              <a:noFill/>
+              <a:ln>
+                <a:solidFill>
+                  <a:srgbClr val="414141"/>
+                </a:solidFill>
+              </a:ln>
+            </p:spPr>
+            <p:style>
+              <a:lnRef idx="2">
+                <a:schemeClr val="accent1">
+                  <a:shade val="50000"/>
+                </a:schemeClr>
+              </a:lnRef>
+              <a:fillRef idx="1">
+                <a:schemeClr val="accent1"/>
+              </a:fillRef>
+              <a:effectRef idx="0">
+                <a:schemeClr val="accent1"/>
+              </a:effectRef>
+              <a:fontRef idx="minor">
+                <a:schemeClr val="lt1"/>
+              </a:fontRef>
+            </p:style>
+            <p:txBody>
+              <a:bodyPr rtlCol="0" anchor="ctr"/>
+              <a:lstStyle/>
+              <a:p>
+                <a:pPr algn="ctr"/>
+                <a:endParaRPr lang="fr-FR"/>
+              </a:p>
+            </p:txBody>
+          </p:sp>
+        </p:grpSp>
+        <p:pic>
+          <p:nvPicPr>
+            <p:cNvPr id="20" name="Image 19"/>
+            <p:cNvPicPr>
+              <a:picLocks noChangeAspect="1"/>
+            </p:cNvPicPr>
+            <p:nvPr/>
+          </p:nvPicPr>
+          <p:blipFill rotWithShape="1">
+            <a:blip r:embed="rId7" cstate="print">
+              <a:extLst>
+                <a:ext uri="{28A0092B-C50C-407E-A947-70E740481C1C}">
+                  <a14:useLocalDpi xmlns:a14="http://schemas.microsoft.com/office/drawing/2010/main" val="0"/>
+                </a:ext>
+              </a:extLst>
+            </a:blip>
+            <a:srcRect b="14203"/>
+            <a:stretch/>
+          </p:blipFill>
+          <p:spPr>
+            <a:xfrm>
+              <a:off x="5770638" y="1172482"/>
+              <a:ext cx="641195" cy="550131"/>
+            </a:xfrm>
+            <a:prstGeom prst="rect">
+              <a:avLst/>
+            </a:prstGeom>
+          </p:spPr>
+        </p:pic>
+      </p:grpSp>
     </p:spTree>
     <p:extLst>
       <p:ext uri="{BB962C8B-B14F-4D97-AF65-F5344CB8AC3E}">

--- a/alban.pptx
+++ b/alban.pptx
@@ -919,7 +919,6 @@
               <a:rPr lang="fr-FR" baseline="0" dirty="0" smtClean="0"/>
               <a:t>-si difficulté rencontré, un des collaborateur allait aidé celui en difficulté </a:t>
             </a:r>
-            <a:endParaRPr lang="fr-FR" baseline="0" dirty="0" smtClean="0"/>
           </a:p>
           <a:p>
             <a:r>
@@ -4736,7 +4735,7 @@
         </p:nvGrpSpPr>
         <p:grpSpPr>
           <a:xfrm>
-            <a:off x="3185271" y="2806740"/>
+            <a:off x="2156571" y="3044865"/>
             <a:ext cx="1450181" cy="1227228"/>
             <a:chOff x="1128712" y="3072561"/>
             <a:chExt cx="1450181" cy="1227228"/>
@@ -4857,7 +4856,7 @@
         </p:nvGrpSpPr>
         <p:grpSpPr>
           <a:xfrm>
-            <a:off x="5342683" y="2823232"/>
+            <a:off x="4313983" y="3061357"/>
             <a:ext cx="1450181" cy="1227228"/>
             <a:chOff x="4079081" y="3072561"/>
             <a:chExt cx="1450181" cy="1227228"/>
@@ -4978,7 +4977,7 @@
         </p:nvGrpSpPr>
         <p:grpSpPr>
           <a:xfrm>
-            <a:off x="7500095" y="2823232"/>
+            <a:off x="6471395" y="3061357"/>
             <a:ext cx="1450181" cy="1227228"/>
             <a:chOff x="8823721" y="2996531"/>
             <a:chExt cx="1450181" cy="1227228"/>
@@ -5091,6 +5090,127 @@
           </p:txBody>
         </p:sp>
       </p:grpSp>
+      <p:pic>
+        <p:nvPicPr>
+          <p:cNvPr id="4" name="Image 3"/>
+          <p:cNvPicPr>
+            <a:picLocks noChangeAspect="1"/>
+          </p:cNvPicPr>
+          <p:nvPr/>
+        </p:nvPicPr>
+        <p:blipFill rotWithShape="1">
+          <a:blip r:embed="rId6" cstate="print">
+            <a:extLst>
+              <a:ext uri="{28A0092B-C50C-407E-A947-70E740481C1C}">
+                <a14:useLocalDpi xmlns:a14="http://schemas.microsoft.com/office/drawing/2010/main" val="0"/>
+              </a:ext>
+            </a:extLst>
+          </a:blip>
+          <a:srcRect b="24933"/>
+          <a:stretch/>
+        </p:blipFill>
+        <p:spPr>
+          <a:xfrm>
+            <a:off x="9044206" y="3339774"/>
+            <a:ext cx="619382" cy="464950"/>
+          </a:xfrm>
+          <a:prstGeom prst="rect">
+            <a:avLst/>
+          </a:prstGeom>
+        </p:spPr>
+      </p:pic>
+      <p:grpSp>
+        <p:nvGrpSpPr>
+          <p:cNvPr id="21" name="Groupe 20"/>
+          <p:cNvGrpSpPr/>
+          <p:nvPr/>
+        </p:nvGrpSpPr>
+        <p:grpSpPr>
+          <a:xfrm>
+            <a:off x="8628807" y="3061357"/>
+            <a:ext cx="1450181" cy="1227228"/>
+            <a:chOff x="8823721" y="2996531"/>
+            <a:chExt cx="1450181" cy="1227228"/>
+          </a:xfrm>
+        </p:grpSpPr>
+        <p:sp>
+          <p:nvSpPr>
+            <p:cNvPr id="23" name="ZoneTexte 22"/>
+            <p:cNvSpPr txBox="1"/>
+            <p:nvPr/>
+          </p:nvSpPr>
+          <p:spPr>
+            <a:xfrm>
+              <a:off x="9081739" y="3846864"/>
+              <a:ext cx="934146" cy="369332"/>
+            </a:xfrm>
+            <a:prstGeom prst="rect">
+              <a:avLst/>
+            </a:prstGeom>
+            <a:noFill/>
+          </p:spPr>
+          <p:txBody>
+            <a:bodyPr wrap="square" rtlCol="0">
+              <a:spAutoFit/>
+            </a:bodyPr>
+            <a:lstStyle/>
+            <a:p>
+              <a:pPr algn="ctr"/>
+              <a:r>
+                <a:rPr lang="fr-FR" dirty="0" smtClean="0"/>
+                <a:t>Livrable</a:t>
+              </a:r>
+              <a:endParaRPr lang="fr-FR" dirty="0"/>
+            </a:p>
+          </p:txBody>
+        </p:sp>
+        <p:sp>
+          <p:nvSpPr>
+            <p:cNvPr id="24" name="Rectangle 23"/>
+            <p:cNvSpPr/>
+            <p:nvPr/>
+          </p:nvSpPr>
+          <p:spPr>
+            <a:xfrm>
+              <a:off x="8823721" y="2996531"/>
+              <a:ext cx="1450181" cy="1227228"/>
+            </a:xfrm>
+            <a:prstGeom prst="rect">
+              <a:avLst/>
+            </a:prstGeom>
+            <a:noFill/>
+            <a:ln>
+              <a:solidFill>
+                <a:srgbClr val="414141"/>
+              </a:solidFill>
+            </a:ln>
+          </p:spPr>
+          <p:style>
+            <a:lnRef idx="2">
+              <a:schemeClr val="accent1">
+                <a:shade val="50000"/>
+              </a:schemeClr>
+            </a:lnRef>
+            <a:fillRef idx="1">
+              <a:schemeClr val="accent1"/>
+            </a:fillRef>
+            <a:effectRef idx="0">
+              <a:schemeClr val="accent1"/>
+            </a:effectRef>
+            <a:fontRef idx="minor">
+              <a:schemeClr val="lt1"/>
+            </a:fontRef>
+          </p:style>
+          <p:txBody>
+            <a:bodyPr rtlCol="0" anchor="ctr"/>
+            <a:lstStyle/>
+            <a:p>
+              <a:pPr algn="ctr"/>
+              <a:endParaRPr lang="fr-FR"/>
+            </a:p>
+          </p:txBody>
+        </p:sp>
+      </p:grpSp>
     </p:spTree>
     <p:extLst>
       <p:ext uri="{BB962C8B-B14F-4D97-AF65-F5344CB8AC3E}">
@@ -5387,13 +5507,8 @@
             </a:pPr>
             <a:r>
               <a:rPr lang="fr-FR" sz="3200" dirty="0" smtClean="0"/>
-              <a:t>Consulter leur liste de </a:t>
-            </a:r>
-            <a:r>
-              <a:rPr lang="fr-FR" sz="3200" dirty="0" smtClean="0"/>
-              <a:t>demandes/offres,</a:t>
-            </a:r>
-            <a:endParaRPr lang="fr-FR" sz="3200" dirty="0" smtClean="0"/>
+              <a:t>Consulter leur liste de demandes/offres,</a:t>
+            </a:r>
           </a:p>
           <a:p>
             <a:pPr marL="571500" indent="-571500">
@@ -5402,13 +5517,8 @@
             </a:pPr>
             <a:r>
               <a:rPr lang="fr-FR" sz="3200" dirty="0" smtClean="0"/>
-              <a:t>Automatisation de la création des </a:t>
-            </a:r>
-            <a:r>
-              <a:rPr lang="fr-FR" sz="3200" dirty="0" smtClean="0"/>
-              <a:t>demandes,</a:t>
-            </a:r>
-            <a:endParaRPr lang="fr-FR" sz="3200" dirty="0" smtClean="0"/>
+              <a:t>Automatisation de la création des demandes,</a:t>
+            </a:r>
           </a:p>
           <a:p>
             <a:pPr marL="571500" indent="-571500">
@@ -5417,13 +5527,8 @@
             </a:pPr>
             <a:r>
               <a:rPr lang="fr-FR" sz="3200" dirty="0" smtClean="0"/>
-              <a:t>Gestion du </a:t>
-            </a:r>
-            <a:r>
-              <a:rPr lang="fr-FR" sz="3200" dirty="0" smtClean="0"/>
-              <a:t>calendrier,</a:t>
-            </a:r>
-            <a:endParaRPr lang="fr-FR" sz="3200" dirty="0" smtClean="0"/>
+              <a:t>Gestion du calendrier,</a:t>
+            </a:r>
           </a:p>
           <a:p>
             <a:pPr marL="571500" indent="-571500">
@@ -5432,17 +5537,8 @@
             </a:pPr>
             <a:r>
               <a:rPr lang="fr-FR" sz="3200" dirty="0" smtClean="0"/>
-              <a:t>Plateforme </a:t>
-            </a:r>
-            <a:r>
-              <a:rPr lang="fr-FR" sz="3200" dirty="0" smtClean="0"/>
-              <a:t>de </a:t>
-            </a:r>
-            <a:r>
-              <a:rPr lang="fr-FR" sz="3200" dirty="0" smtClean="0"/>
-              <a:t>paiement,</a:t>
-            </a:r>
-            <a:endParaRPr lang="fr-FR" sz="3200" dirty="0" smtClean="0"/>
+              <a:t>Plateforme de paiement,</a:t>
+            </a:r>
           </a:p>
           <a:p>
             <a:endParaRPr lang="fr-FR" sz="3200" dirty="0"/>
@@ -9901,7 +9997,7 @@
           <a:p>
             <a:pPr algn="ctr"/>
             <a:r>
-              <a:rPr lang="fr-FR" dirty="0" err="1" smtClean="0"/>
+              <a:rPr lang="fr-FR" dirty="0" smtClean="0"/>
               <a:t>Versionning</a:t>
             </a:r>
             <a:endParaRPr lang="fr-FR" dirty="0"/>
@@ -10536,7 +10632,7 @@
         </p:nvSpPr>
         <p:spPr>
           <a:xfrm>
-            <a:off x="3244453" y="3742673"/>
+            <a:off x="3244453" y="3904598"/>
             <a:ext cx="1140220" cy="642656"/>
           </a:xfrm>
           <a:prstGeom prst="rect">
@@ -10596,7 +10692,7 @@
         </p:nvSpPr>
         <p:spPr>
           <a:xfrm>
-            <a:off x="4831953" y="3742673"/>
+            <a:off x="4831953" y="3904598"/>
             <a:ext cx="1140220" cy="642656"/>
           </a:xfrm>
           <a:prstGeom prst="rect">
@@ -10656,7 +10752,7 @@
         </p:nvSpPr>
         <p:spPr>
           <a:xfrm>
-            <a:off x="6330750" y="3741496"/>
+            <a:off x="6330750" y="3903421"/>
             <a:ext cx="1140220" cy="642656"/>
           </a:xfrm>
           <a:prstGeom prst="rect">
@@ -10716,7 +10812,7 @@
         </p:nvSpPr>
         <p:spPr>
           <a:xfrm>
-            <a:off x="7748587" y="3741496"/>
+            <a:off x="7748587" y="3903421"/>
             <a:ext cx="1140220" cy="642656"/>
           </a:xfrm>
           <a:prstGeom prst="rect">
@@ -10789,7 +10885,7 @@
         </p:blipFill>
         <p:spPr>
           <a:xfrm>
-            <a:off x="7939036" y="3036492"/>
+            <a:off x="7939036" y="3198417"/>
             <a:ext cx="759321" cy="646553"/>
           </a:xfrm>
           <a:prstGeom prst="rect">
@@ -10818,7 +10914,7 @@
         </p:blipFill>
         <p:spPr>
           <a:xfrm>
-            <a:off x="5022402" y="3048546"/>
+            <a:off x="5022402" y="3210471"/>
             <a:ext cx="759321" cy="580309"/>
           </a:xfrm>
           <a:prstGeom prst="rect">
@@ -10847,7 +10943,7 @@
         </p:blipFill>
         <p:spPr>
           <a:xfrm>
-            <a:off x="3435194" y="3048546"/>
+            <a:off x="3435194" y="3210471"/>
             <a:ext cx="758738" cy="622446"/>
           </a:xfrm>
           <a:prstGeom prst="rect">
@@ -10876,7 +10972,7 @@
         </p:blipFill>
         <p:spPr>
           <a:xfrm>
-            <a:off x="6515312" y="3048546"/>
+            <a:off x="6515312" y="3210471"/>
             <a:ext cx="771096" cy="669583"/>
           </a:xfrm>
           <a:prstGeom prst="rect">
